--- a/Mirco_sem17_18_wachstumsmodelle_präsentation.pptx
+++ b/Mirco_sem17_18_wachstumsmodelle_präsentation.pptx
@@ -5,21 +5,31 @@
     <p:sldMasterId id="2147483658" r:id="rId1"/>
   </p:sldMasterIdLst>
   <p:notesMasterIdLst>
-    <p:notesMasterId r:id="rId11"/>
+    <p:notesMasterId r:id="rId21"/>
   </p:notesMasterIdLst>
   <p:handoutMasterIdLst>
-    <p:handoutMasterId r:id="rId12"/>
+    <p:handoutMasterId r:id="rId22"/>
   </p:handoutMasterIdLst>
   <p:sldIdLst>
     <p:sldId id="259" r:id="rId2"/>
     <p:sldId id="273" r:id="rId3"/>
-    <p:sldId id="275" r:id="rId4"/>
-    <p:sldId id="274" r:id="rId5"/>
-    <p:sldId id="278" r:id="rId6"/>
-    <p:sldId id="277" r:id="rId7"/>
-    <p:sldId id="276" r:id="rId8"/>
-    <p:sldId id="279" r:id="rId9"/>
-    <p:sldId id="280" r:id="rId10"/>
+    <p:sldId id="281" r:id="rId4"/>
+    <p:sldId id="275" r:id="rId5"/>
+    <p:sldId id="274" r:id="rId6"/>
+    <p:sldId id="282" r:id="rId7"/>
+    <p:sldId id="278" r:id="rId8"/>
+    <p:sldId id="277" r:id="rId9"/>
+    <p:sldId id="276" r:id="rId10"/>
+    <p:sldId id="284" r:id="rId11"/>
+    <p:sldId id="279" r:id="rId12"/>
+    <p:sldId id="280" r:id="rId13"/>
+    <p:sldId id="287" r:id="rId14"/>
+    <p:sldId id="283" r:id="rId15"/>
+    <p:sldId id="285" r:id="rId16"/>
+    <p:sldId id="286" r:id="rId17"/>
+    <p:sldId id="288" r:id="rId18"/>
+    <p:sldId id="290" r:id="rId19"/>
+    <p:sldId id="289" r:id="rId20"/>
   </p:sldIdLst>
   <p:sldSz cx="9144000" cy="5143500" type="screen16x9"/>
   <p:notesSz cx="6858000" cy="9144000"/>
@@ -234,7 +244,7 @@
             <a:fld id="{8A7CD7E6-D14C-4ECF-BE72-9282675AAFCC}" type="datetimeFigureOut">
               <a:rPr lang="de-DE" smtClean="0"/>
               <a:pPr/>
-              <a:t>17.02.2018</a:t>
+              <a:t>19.02.2018</a:t>
             </a:fld>
             <a:endParaRPr lang="de-DE"/>
           </a:p>
@@ -401,7 +411,7 @@
             <a:fld id="{9DEF7BA6-6945-4979-A31E-1F3FA0D91DC4}" type="datetimeFigureOut">
               <a:rPr lang="de-DE" smtClean="0"/>
               <a:pPr/>
-              <a:t>17.02.2018</a:t>
+              <a:t>19.02.2018</a:t>
             </a:fld>
             <a:endParaRPr lang="de-DE"/>
           </a:p>
@@ -754,6 +764,377 @@
 </p:notes>
 </file>
 
+<file path=ppt/notesSlides/notesSlide2.xml><?xml version="1.0" encoding="utf-8"?>
+<p:notes xmlns:a="http://schemas.openxmlformats.org/drawingml/2006/main" xmlns:r="http://schemas.openxmlformats.org/officeDocument/2006/relationships" xmlns:p="http://schemas.openxmlformats.org/presentationml/2006/main">
+  <p:cSld>
+    <p:spTree>
+      <p:nvGrpSpPr>
+        <p:cNvPr id="1" name=""/>
+        <p:cNvGrpSpPr/>
+        <p:nvPr/>
+      </p:nvGrpSpPr>
+      <p:grpSpPr>
+        <a:xfrm>
+          <a:off x="0" y="0"/>
+          <a:ext cx="0" cy="0"/>
+          <a:chOff x="0" y="0"/>
+          <a:chExt cx="0" cy="0"/>
+        </a:xfrm>
+      </p:grpSpPr>
+      <p:sp>
+        <p:nvSpPr>
+          <p:cNvPr id="2" name="Folienbildplatzhalter 1"/>
+          <p:cNvSpPr>
+            <a:spLocks noGrp="1" noRot="1" noChangeAspect="1"/>
+          </p:cNvSpPr>
+          <p:nvPr>
+            <p:ph type="sldImg"/>
+          </p:nvPr>
+        </p:nvSpPr>
+        <p:spPr/>
+      </p:sp>
+      <p:sp>
+        <p:nvSpPr>
+          <p:cNvPr id="3" name="Notizenplatzhalter 2"/>
+          <p:cNvSpPr>
+            <a:spLocks noGrp="1"/>
+          </p:cNvSpPr>
+          <p:nvPr>
+            <p:ph type="body" idx="1"/>
+          </p:nvPr>
+        </p:nvSpPr>
+        <p:spPr/>
+        <p:txBody>
+          <a:bodyPr/>
+          <a:lstStyle/>
+          <a:p>
+            <a:r>
+              <a:rPr lang="de-DE" baseline="0" dirty="0" err="1" smtClean="0"/>
+              <a:t>Mean</a:t>
+            </a:r>
+            <a:r>
+              <a:rPr lang="de-DE" baseline="0" dirty="0" smtClean="0"/>
+              <a:t> der endogenen Variable Y: </a:t>
+            </a:r>
+            <a:r>
+              <a:rPr lang="de-DE" baseline="0" dirty="0" err="1" smtClean="0"/>
+              <a:t>Mean</a:t>
+            </a:r>
+            <a:r>
+              <a:rPr lang="de-DE" baseline="0" dirty="0" smtClean="0"/>
+              <a:t>(Y) = 20.000 + (11.000)*0,455 = 25.000</a:t>
+            </a:r>
+          </a:p>
+          <a:p>
+            <a:endParaRPr lang="de-DE" baseline="0" dirty="0" smtClean="0"/>
+          </a:p>
+          <a:p>
+            <a:r>
+              <a:rPr lang="de-DE" baseline="0" dirty="0" smtClean="0"/>
+              <a:t>Exogene Variable: Direkter Effekt der Konstante ist ein </a:t>
+            </a:r>
+            <a:r>
+              <a:rPr lang="de-DE" baseline="0" dirty="0" err="1" smtClean="0"/>
+              <a:t>Mean</a:t>
+            </a:r>
+            <a:endParaRPr lang="de-DE" baseline="0" dirty="0" smtClean="0"/>
+          </a:p>
+          <a:p>
+            <a:r>
+              <a:rPr lang="de-DE" baseline="0" dirty="0" smtClean="0"/>
+              <a:t>Endogene Variable: Der direkte Effekt der Konstante ist ein </a:t>
+            </a:r>
+            <a:r>
+              <a:rPr lang="de-DE" baseline="0" dirty="0" err="1" smtClean="0"/>
+              <a:t>Intercept</a:t>
+            </a:r>
+            <a:r>
+              <a:rPr lang="de-DE" baseline="0" dirty="0" smtClean="0"/>
+              <a:t> (y-Achsenabschnitt) und der totale Effekt ist ein </a:t>
+            </a:r>
+            <a:r>
+              <a:rPr lang="de-DE" baseline="0" dirty="0" err="1" smtClean="0"/>
+              <a:t>Mean</a:t>
+            </a:r>
+            <a:endParaRPr lang="de-DE" baseline="0" dirty="0" smtClean="0"/>
+          </a:p>
+        </p:txBody>
+      </p:sp>
+      <p:sp>
+        <p:nvSpPr>
+          <p:cNvPr id="4" name="Foliennummernplatzhalter 3"/>
+          <p:cNvSpPr>
+            <a:spLocks noGrp="1"/>
+          </p:cNvSpPr>
+          <p:nvPr>
+            <p:ph type="sldNum" sz="quarter" idx="10"/>
+          </p:nvPr>
+        </p:nvSpPr>
+        <p:spPr/>
+        <p:txBody>
+          <a:bodyPr/>
+          <a:lstStyle/>
+          <a:p>
+            <a:fld id="{6706D1AF-4C0D-4753-9D96-DDC1A4BC5412}" type="slidenum">
+              <a:rPr lang="de-DE" smtClean="0"/>
+              <a:pPr/>
+              <a:t>3</a:t>
+            </a:fld>
+            <a:endParaRPr lang="de-DE"/>
+          </a:p>
+        </p:txBody>
+      </p:sp>
+    </p:spTree>
+    <p:extLst>
+      <p:ext uri="{BB962C8B-B14F-4D97-AF65-F5344CB8AC3E}">
+        <p14:creationId xmlns:p14="http://schemas.microsoft.com/office/powerpoint/2010/main" val="1126565875"/>
+      </p:ext>
+    </p:extLst>
+  </p:cSld>
+  <p:clrMapOvr>
+    <a:masterClrMapping/>
+  </p:clrMapOvr>
+</p:notes>
+</file>
+
+<file path=ppt/notesSlides/notesSlide3.xml><?xml version="1.0" encoding="utf-8"?>
+<p:notes xmlns:a="http://schemas.openxmlformats.org/drawingml/2006/main" xmlns:r="http://schemas.openxmlformats.org/officeDocument/2006/relationships" xmlns:p="http://schemas.openxmlformats.org/presentationml/2006/main">
+  <p:cSld>
+    <p:spTree>
+      <p:nvGrpSpPr>
+        <p:cNvPr id="1" name=""/>
+        <p:cNvGrpSpPr/>
+        <p:nvPr/>
+      </p:nvGrpSpPr>
+      <p:grpSpPr>
+        <a:xfrm>
+          <a:off x="0" y="0"/>
+          <a:ext cx="0" cy="0"/>
+          <a:chOff x="0" y="0"/>
+          <a:chExt cx="0" cy="0"/>
+        </a:xfrm>
+      </p:grpSpPr>
+      <p:sp>
+        <p:nvSpPr>
+          <p:cNvPr id="2" name="Folienbildplatzhalter 1"/>
+          <p:cNvSpPr>
+            <a:spLocks noGrp="1" noRot="1" noChangeAspect="1"/>
+          </p:cNvSpPr>
+          <p:nvPr>
+            <p:ph type="sldImg"/>
+          </p:nvPr>
+        </p:nvSpPr>
+        <p:spPr/>
+      </p:sp>
+      <p:sp>
+        <p:nvSpPr>
+          <p:cNvPr id="3" name="Notizenplatzhalter 2"/>
+          <p:cNvSpPr>
+            <a:spLocks noGrp="1"/>
+          </p:cNvSpPr>
+          <p:nvPr>
+            <p:ph type="body" idx="1"/>
+          </p:nvPr>
+        </p:nvSpPr>
+        <p:spPr/>
+        <p:txBody>
+          <a:bodyPr/>
+          <a:lstStyle/>
+          <a:p>
+            <a:r>
+              <a:rPr lang="de-DE" baseline="0" dirty="0" err="1" smtClean="0"/>
+              <a:t>Mean</a:t>
+            </a:r>
+            <a:r>
+              <a:rPr lang="de-DE" baseline="0" dirty="0" smtClean="0"/>
+              <a:t> der endogenen Variable Y: </a:t>
+            </a:r>
+            <a:r>
+              <a:rPr lang="de-DE" baseline="0" dirty="0" err="1" smtClean="0"/>
+              <a:t>Mean</a:t>
+            </a:r>
+            <a:r>
+              <a:rPr lang="de-DE" baseline="0" dirty="0" smtClean="0"/>
+              <a:t>(Y) = 20.000 + (11.000)*0,455 = 25.000</a:t>
+            </a:r>
+          </a:p>
+          <a:p>
+            <a:endParaRPr lang="de-DE" baseline="0" dirty="0" smtClean="0"/>
+          </a:p>
+          <a:p>
+            <a:r>
+              <a:rPr lang="de-DE" baseline="0" dirty="0" smtClean="0"/>
+              <a:t>Exogene Variable: Direkter Effekt der Konstante ist ein </a:t>
+            </a:r>
+            <a:r>
+              <a:rPr lang="de-DE" baseline="0" dirty="0" err="1" smtClean="0"/>
+              <a:t>Mean</a:t>
+            </a:r>
+            <a:endParaRPr lang="de-DE" baseline="0" dirty="0" smtClean="0"/>
+          </a:p>
+          <a:p>
+            <a:r>
+              <a:rPr lang="de-DE" baseline="0" dirty="0" smtClean="0"/>
+              <a:t>Endogene Variable: Der direkte Effekt der Konstante ist ein </a:t>
+            </a:r>
+            <a:r>
+              <a:rPr lang="de-DE" baseline="0" dirty="0" err="1" smtClean="0"/>
+              <a:t>Intercept</a:t>
+            </a:r>
+            <a:r>
+              <a:rPr lang="de-DE" baseline="0" dirty="0" smtClean="0"/>
+              <a:t> (y-Achsenabschnitt) und der totale Effekt ist ein </a:t>
+            </a:r>
+            <a:r>
+              <a:rPr lang="de-DE" baseline="0" dirty="0" err="1" smtClean="0"/>
+              <a:t>Mean</a:t>
+            </a:r>
+            <a:endParaRPr lang="de-DE" baseline="0" dirty="0" smtClean="0"/>
+          </a:p>
+        </p:txBody>
+      </p:sp>
+      <p:sp>
+        <p:nvSpPr>
+          <p:cNvPr id="4" name="Foliennummernplatzhalter 3"/>
+          <p:cNvSpPr>
+            <a:spLocks noGrp="1"/>
+          </p:cNvSpPr>
+          <p:nvPr>
+            <p:ph type="sldNum" sz="quarter" idx="10"/>
+          </p:nvPr>
+        </p:nvSpPr>
+        <p:spPr/>
+        <p:txBody>
+          <a:bodyPr/>
+          <a:lstStyle/>
+          <a:p>
+            <a:fld id="{6706D1AF-4C0D-4753-9D96-DDC1A4BC5412}" type="slidenum">
+              <a:rPr lang="de-DE" smtClean="0"/>
+              <a:pPr/>
+              <a:t>4</a:t>
+            </a:fld>
+            <a:endParaRPr lang="de-DE"/>
+          </a:p>
+        </p:txBody>
+      </p:sp>
+    </p:spTree>
+    <p:extLst>
+      <p:ext uri="{BB962C8B-B14F-4D97-AF65-F5344CB8AC3E}">
+        <p14:creationId xmlns:p14="http://schemas.microsoft.com/office/powerpoint/2010/main" val="2912597023"/>
+      </p:ext>
+    </p:extLst>
+  </p:cSld>
+  <p:clrMapOvr>
+    <a:masterClrMapping/>
+  </p:clrMapOvr>
+</p:notes>
+</file>
+
+<file path=ppt/notesSlides/notesSlide4.xml><?xml version="1.0" encoding="utf-8"?>
+<p:notes xmlns:a="http://schemas.openxmlformats.org/drawingml/2006/main" xmlns:r="http://schemas.openxmlformats.org/officeDocument/2006/relationships" xmlns:p="http://schemas.openxmlformats.org/presentationml/2006/main">
+  <p:cSld>
+    <p:spTree>
+      <p:nvGrpSpPr>
+        <p:cNvPr id="1" name=""/>
+        <p:cNvGrpSpPr/>
+        <p:nvPr/>
+      </p:nvGrpSpPr>
+      <p:grpSpPr>
+        <a:xfrm>
+          <a:off x="0" y="0"/>
+          <a:ext cx="0" cy="0"/>
+          <a:chOff x="0" y="0"/>
+          <a:chExt cx="0" cy="0"/>
+        </a:xfrm>
+      </p:grpSpPr>
+      <p:sp>
+        <p:nvSpPr>
+          <p:cNvPr id="2" name="Folienbildplatzhalter 1"/>
+          <p:cNvSpPr>
+            <a:spLocks noGrp="1" noRot="1" noChangeAspect="1"/>
+          </p:cNvSpPr>
+          <p:nvPr>
+            <p:ph type="sldImg"/>
+          </p:nvPr>
+        </p:nvSpPr>
+        <p:spPr/>
+      </p:sp>
+      <p:sp>
+        <p:nvSpPr>
+          <p:cNvPr id="3" name="Notizenplatzhalter 2"/>
+          <p:cNvSpPr>
+            <a:spLocks noGrp="1"/>
+          </p:cNvSpPr>
+          <p:nvPr>
+            <p:ph type="body" idx="1"/>
+          </p:nvPr>
+        </p:nvSpPr>
+        <p:spPr/>
+        <p:txBody>
+          <a:bodyPr/>
+          <a:lstStyle/>
+          <a:p>
+            <a:r>
+              <a:rPr lang="de-DE" dirty="0" err="1" smtClean="0"/>
+              <a:t>Ability</a:t>
+            </a:r>
+            <a:r>
+              <a:rPr lang="de-DE" dirty="0" smtClean="0"/>
+              <a:t> sinkt hier pro Versuch, d.h. dass die Übung</a:t>
+            </a:r>
+            <a:r>
+              <a:rPr lang="de-DE" baseline="0" dirty="0" smtClean="0"/>
+              <a:t> immer weiter die initialen kognitiven Fähigkeiten übertreffen und </a:t>
+            </a:r>
+            <a:r>
+              <a:rPr lang="de-DE" baseline="0" dirty="0" err="1" smtClean="0"/>
+              <a:t>Ability</a:t>
+            </a:r>
+            <a:r>
+              <a:rPr lang="de-DE" baseline="0" dirty="0" smtClean="0"/>
+              <a:t> immer weniger Einfluss auf das Ergebnis hat.</a:t>
+            </a:r>
+            <a:endParaRPr lang="de-DE" dirty="0"/>
+          </a:p>
+        </p:txBody>
+      </p:sp>
+      <p:sp>
+        <p:nvSpPr>
+          <p:cNvPr id="4" name="Foliennummernplatzhalter 3"/>
+          <p:cNvSpPr>
+            <a:spLocks noGrp="1"/>
+          </p:cNvSpPr>
+          <p:nvPr>
+            <p:ph type="sldNum" sz="quarter" idx="10"/>
+          </p:nvPr>
+        </p:nvSpPr>
+        <p:spPr/>
+        <p:txBody>
+          <a:bodyPr/>
+          <a:lstStyle/>
+          <a:p>
+            <a:fld id="{6706D1AF-4C0D-4753-9D96-DDC1A4BC5412}" type="slidenum">
+              <a:rPr lang="de-DE" smtClean="0"/>
+              <a:pPr/>
+              <a:t>10</a:t>
+            </a:fld>
+            <a:endParaRPr lang="de-DE"/>
+          </a:p>
+        </p:txBody>
+      </p:sp>
+    </p:spTree>
+    <p:extLst>
+      <p:ext uri="{BB962C8B-B14F-4D97-AF65-F5344CB8AC3E}">
+        <p14:creationId xmlns:p14="http://schemas.microsoft.com/office/powerpoint/2010/main" val="3845389478"/>
+      </p:ext>
+    </p:extLst>
+  </p:cSld>
+  <p:clrMapOvr>
+    <a:masterClrMapping/>
+  </p:clrMapOvr>
+</p:notes>
+</file>
+
 <file path=ppt/slideLayouts/slideLayout1.xml><?xml version="1.0" encoding="utf-8"?>
 <p:sldLayout xmlns:a="http://schemas.openxmlformats.org/drawingml/2006/main" xmlns:r="http://schemas.openxmlformats.org/officeDocument/2006/relationships" xmlns:p="http://schemas.openxmlformats.org/presentationml/2006/main" preserve="1" userDrawn="1">
   <p:cSld name="Titelfolie">
@@ -1180,7 +1561,7 @@
             <a:fld id="{C6F490E5-6BD8-4297-ACA2-2AC87192B70F}" type="datetime1">
               <a:rPr lang="de-DE" smtClean="0"/>
               <a:pPr/>
-              <a:t>17.02.2018</a:t>
+              <a:t>19.02.2018</a:t>
             </a:fld>
             <a:endParaRPr lang="de-DE"/>
           </a:p>
@@ -1509,7 +1890,7 @@
             <a:fld id="{18321833-73FA-4B7B-8368-585F78905B8E}" type="datetime1">
               <a:rPr lang="de-DE" smtClean="0"/>
               <a:pPr/>
-              <a:t>17.02.2018</a:t>
+              <a:t>19.02.2018</a:t>
             </a:fld>
             <a:endParaRPr lang="de-DE"/>
           </a:p>
@@ -1655,7 +2036,7 @@
             <a:fld id="{3E1C52E8-7F49-4B86-AEB2-23BC7104D5B2}" type="datetime1">
               <a:rPr lang="de-DE" smtClean="0"/>
               <a:pPr/>
-              <a:t>17.02.2018</a:t>
+              <a:t>19.02.2018</a:t>
             </a:fld>
             <a:endParaRPr lang="de-DE"/>
           </a:p>
@@ -1948,7 +2329,7 @@
             <a:fld id="{3E1C52E8-7F49-4B86-AEB2-23BC7104D5B2}" type="datetime1">
               <a:rPr lang="de-DE" smtClean="0"/>
               <a:pPr/>
-              <a:t>17.02.2018</a:t>
+              <a:t>19.02.2018</a:t>
             </a:fld>
             <a:endParaRPr lang="de-DE"/>
           </a:p>
@@ -2680,7 +3061,7 @@
             <a:fld id="{DA5DE712-6C0E-4DF7-B336-AC97213DC93D}" type="datetime1">
               <a:rPr lang="de-DE" smtClean="0"/>
               <a:pPr/>
-              <a:t>17.02.2018</a:t>
+              <a:t>19.02.2018</a:t>
             </a:fld>
             <a:endParaRPr lang="de-DE"/>
           </a:p>
@@ -3272,7 +3653,7 @@
             <a:fld id="{DA5DE712-6C0E-4DF7-B336-AC97213DC93D}" type="datetime1">
               <a:rPr lang="de-DE" smtClean="0"/>
               <a:pPr/>
-              <a:t>17.02.2018</a:t>
+              <a:t>19.02.2018</a:t>
             </a:fld>
             <a:endParaRPr lang="de-DE"/>
           </a:p>
@@ -3603,7 +3984,7 @@
             <a:fld id="{19A0FC43-5E73-44C2-BFDB-9FAD1E8FED0E}" type="datetime1">
               <a:rPr lang="de-DE" smtClean="0"/>
               <a:pPr/>
-              <a:t>17.02.2018</a:t>
+              <a:t>19.02.2018</a:t>
             </a:fld>
             <a:endParaRPr lang="de-DE"/>
           </a:p>
@@ -3910,7 +4291,7 @@
             <a:fld id="{065E8A4D-8D16-457C-AFD8-844AF28C1B14}" type="datetime1">
               <a:rPr lang="de-DE" smtClean="0"/>
               <a:pPr/>
-              <a:t>17.02.2018</a:t>
+              <a:t>19.02.2018</a:t>
             </a:fld>
             <a:endParaRPr lang="de-DE"/>
           </a:p>
@@ -4141,7 +4522,7 @@
             <a:fld id="{6DB845E5-DACF-426C-8A10-A6438D29DD66}" type="datetime1">
               <a:rPr lang="de-DE" smtClean="0"/>
               <a:pPr/>
-              <a:t>17.02.2018</a:t>
+              <a:t>19.02.2018</a:t>
             </a:fld>
             <a:endParaRPr lang="de-DE"/>
           </a:p>
@@ -4475,7 +4856,7 @@
             <a:fld id="{CA605C2C-549A-4615-A3C1-D5E9E9947B76}" type="datetime1">
               <a:rPr lang="de-DE" smtClean="0"/>
               <a:pPr/>
-              <a:t>17.02.2018</a:t>
+              <a:t>19.02.2018</a:t>
             </a:fld>
             <a:endParaRPr lang="de-DE"/>
           </a:p>
@@ -4975,7 +5356,7 @@
             <a:fld id="{DA5DE712-6C0E-4DF7-B336-AC97213DC93D}" type="datetime1">
               <a:rPr lang="de-DE" smtClean="0"/>
               <a:pPr/>
-              <a:t>17.02.2018</a:t>
+              <a:t>19.02.2018</a:t>
             </a:fld>
             <a:endParaRPr lang="de-DE"/>
           </a:p>
@@ -5475,7 +5856,7 @@
             <a:fld id="{DA5DE712-6C0E-4DF7-B336-AC97213DC93D}" type="datetime1">
               <a:rPr lang="de-DE" smtClean="0"/>
               <a:pPr/>
-              <a:t>17.02.2018</a:t>
+              <a:t>19.02.2018</a:t>
             </a:fld>
             <a:endParaRPr lang="de-DE"/>
           </a:p>
@@ -5775,7 +6156,7 @@
             <a:fld id="{12CE0ACD-0B71-463F-9507-4095300257BC}" type="datetime1">
               <a:rPr lang="de-DE" smtClean="0"/>
               <a:pPr/>
-              <a:t>17.02.2018</a:t>
+              <a:t>19.02.2018</a:t>
             </a:fld>
             <a:endParaRPr lang="de-DE"/>
           </a:p>
@@ -5946,7 +6327,7 @@
             <a:fld id="{89026A34-A4A3-4CC2-B452-9E4A0F73B38C}" type="datetime1">
               <a:rPr lang="de-DE" smtClean="0"/>
               <a:pPr/>
-              <a:t>17.02.2018</a:t>
+              <a:t>19.02.2018</a:t>
             </a:fld>
             <a:endParaRPr lang="de-DE"/>
           </a:p>
@@ -6252,7 +6633,7 @@
             <a:fld id="{D509922F-D4D2-4984-9115-CE10B66F29DF}" type="datetime1">
               <a:rPr lang="de-DE" smtClean="0"/>
               <a:pPr/>
-              <a:t>17.02.2018</a:t>
+              <a:t>19.02.2018</a:t>
             </a:fld>
             <a:endParaRPr lang="de-DE"/>
           </a:p>
@@ -6600,7 +6981,7 @@
             <a:fld id="{9624F9CC-0A0D-4C8D-81F7-82F64A12AE8F}" type="datetime1">
               <a:rPr lang="de-DE" smtClean="0"/>
               <a:pPr/>
-              <a:t>17.02.2018</a:t>
+              <a:t>19.02.2018</a:t>
             </a:fld>
             <a:endParaRPr lang="de-DE"/>
           </a:p>
@@ -7119,7 +7500,6 @@
               <a:rPr lang="de-DE" sz="1200" dirty="0" smtClean="0"/>
               <a:t>Christian Faber</a:t>
             </a:r>
-            <a:endParaRPr lang="de-DE" sz="1200" dirty="0" smtClean="0"/>
           </a:p>
           <a:p>
             <a:pPr>
@@ -7184,7 +7564,6 @@
               <a:rPr lang="de-DE" dirty="0"/>
               <a:t> – Wintersemester 2017/2018</a:t>
             </a:r>
-            <a:endParaRPr lang="de-DE" dirty="0"/>
           </a:p>
         </p:txBody>
       </p:sp>
@@ -7200,6 +7579,1977 @@
       </p:par>
     </p:tnLst>
   </p:timing>
+</p:sld>
+</file>
+
+<file path=ppt/slides/slide10.xml><?xml version="1.0" encoding="utf-8"?>
+<p:sld xmlns:a="http://schemas.openxmlformats.org/drawingml/2006/main" xmlns:r="http://schemas.openxmlformats.org/officeDocument/2006/relationships" xmlns:p="http://schemas.openxmlformats.org/presentationml/2006/main">
+  <p:cSld>
+    <p:spTree>
+      <p:nvGrpSpPr>
+        <p:cNvPr id="1" name=""/>
+        <p:cNvGrpSpPr/>
+        <p:nvPr/>
+      </p:nvGrpSpPr>
+      <p:grpSpPr>
+        <a:xfrm>
+          <a:off x="0" y="0"/>
+          <a:ext cx="0" cy="0"/>
+          <a:chOff x="0" y="0"/>
+          <a:chExt cx="0" cy="0"/>
+        </a:xfrm>
+      </p:grpSpPr>
+      <p:sp>
+        <p:nvSpPr>
+          <p:cNvPr id="2" name="Titel 1"/>
+          <p:cNvSpPr>
+            <a:spLocks noGrp="1"/>
+          </p:cNvSpPr>
+          <p:nvPr>
+            <p:ph type="title"/>
+          </p:nvPr>
+        </p:nvSpPr>
+        <p:spPr/>
+        <p:txBody>
+          <a:bodyPr/>
+          <a:lstStyle/>
+          <a:p>
+            <a:r>
+              <a:rPr lang="de-DE" dirty="0" smtClean="0"/>
+              <a:t>Datensätze</a:t>
+            </a:r>
+            <a:endParaRPr lang="de-DE" dirty="0"/>
+          </a:p>
+        </p:txBody>
+      </p:sp>
+      <p:sp>
+        <p:nvSpPr>
+          <p:cNvPr id="3" name="Inhaltsplatzhalter 2"/>
+          <p:cNvSpPr>
+            <a:spLocks noGrp="1"/>
+          </p:cNvSpPr>
+          <p:nvPr>
+            <p:ph idx="1"/>
+          </p:nvPr>
+        </p:nvSpPr>
+        <p:spPr>
+          <a:xfrm>
+            <a:off x="323530" y="987574"/>
+            <a:ext cx="4392486" cy="3744416"/>
+          </a:xfrm>
+        </p:spPr>
+        <p:txBody>
+          <a:bodyPr/>
+          <a:lstStyle/>
+          <a:p>
+            <a:r>
+              <a:rPr lang="de-DE" dirty="0" smtClean="0"/>
+              <a:t>Datensatz aus Kline, 2015</a:t>
+            </a:r>
+          </a:p>
+          <a:p>
+            <a:pPr lvl="1"/>
+            <a:r>
+              <a:rPr lang="de-DE" dirty="0"/>
+              <a:t>W</a:t>
+            </a:r>
+            <a:r>
+              <a:rPr lang="de-DE" dirty="0" smtClean="0"/>
+              <a:t>ährend </a:t>
+            </a:r>
+            <a:r>
+              <a:rPr lang="de-DE" dirty="0"/>
+              <a:t>einer Flugsimulation bei 137 Militärpiloten über 6 Versuche gemessen wurde</a:t>
+            </a:r>
+          </a:p>
+          <a:p>
+            <a:pPr lvl="1"/>
+            <a:r>
+              <a:rPr lang="de-DE" dirty="0"/>
+              <a:t>Der Wert ist die Anzahl der erfolgreichen Landungen</a:t>
+            </a:r>
+          </a:p>
+          <a:p>
+            <a:pPr lvl="1"/>
+            <a:r>
+              <a:rPr lang="de-DE" dirty="0"/>
+              <a:t>Starke Korrelationen zwischen aufeinanderfolgenden Versuchen </a:t>
+            </a:r>
+            <a:r>
+              <a:rPr lang="de-DE" dirty="0" smtClean="0"/>
+              <a:t>→ typisch für Lernkurven</a:t>
+            </a:r>
+          </a:p>
+          <a:p>
+            <a:pPr lvl="1"/>
+            <a:r>
+              <a:rPr lang="de-DE" dirty="0" err="1" smtClean="0"/>
+              <a:t>Ability</a:t>
+            </a:r>
+            <a:r>
+              <a:rPr lang="de-DE" dirty="0" smtClean="0"/>
+              <a:t> misst dabei die generelle kognitive Fähigkeit, wobei ein </a:t>
+            </a:r>
+            <a:r>
+              <a:rPr lang="de-DE" dirty="0" err="1" smtClean="0"/>
+              <a:t>hoherer</a:t>
+            </a:r>
+            <a:r>
+              <a:rPr lang="de-DE" dirty="0" smtClean="0"/>
+              <a:t> Wert ein Indikator für ein besseres Ergebnis ist</a:t>
+            </a:r>
+          </a:p>
+          <a:p>
+            <a:pPr lvl="1"/>
+            <a:r>
+              <a:rPr lang="de-DE" dirty="0" smtClean="0"/>
+              <a:t>Sowohl </a:t>
+            </a:r>
+            <a:r>
+              <a:rPr lang="de-DE" dirty="0" err="1" smtClean="0"/>
+              <a:t>Means</a:t>
+            </a:r>
+            <a:r>
+              <a:rPr lang="de-DE" dirty="0" smtClean="0"/>
+              <a:t> als auch die Standardabweichungen steigen im Zeitreihenkontext → Wachstum</a:t>
+            </a:r>
+            <a:endParaRPr lang="de-DE" dirty="0"/>
+          </a:p>
+          <a:p>
+            <a:endParaRPr lang="de-DE" dirty="0"/>
+          </a:p>
+        </p:txBody>
+      </p:sp>
+      <p:sp>
+        <p:nvSpPr>
+          <p:cNvPr id="4" name="Datumsplatzhalter 3"/>
+          <p:cNvSpPr>
+            <a:spLocks noGrp="1"/>
+          </p:cNvSpPr>
+          <p:nvPr>
+            <p:ph type="dt" sz="half" idx="10"/>
+          </p:nvPr>
+        </p:nvSpPr>
+        <p:spPr/>
+        <p:txBody>
+          <a:bodyPr/>
+          <a:lstStyle/>
+          <a:p>
+            <a:fld id="{6DB845E5-DACF-426C-8A10-A6438D29DD66}" type="datetime1">
+              <a:rPr lang="de-DE" smtClean="0"/>
+              <a:pPr/>
+              <a:t>19.02.2018</a:t>
+            </a:fld>
+            <a:endParaRPr lang="de-DE"/>
+          </a:p>
+        </p:txBody>
+      </p:sp>
+      <p:sp>
+        <p:nvSpPr>
+          <p:cNvPr id="5" name="Fußzeilenplatzhalter 4"/>
+          <p:cNvSpPr>
+            <a:spLocks noGrp="1"/>
+          </p:cNvSpPr>
+          <p:nvPr>
+            <p:ph type="ftr" sz="quarter" idx="11"/>
+          </p:nvPr>
+        </p:nvSpPr>
+        <p:spPr/>
+        <p:txBody>
+          <a:bodyPr/>
+          <a:lstStyle/>
+          <a:p>
+            <a:r>
+              <a:rPr lang="de-DE" smtClean="0"/>
+              <a:t>Structural Equation Modelling – Wintersemester 2017/2018</a:t>
+            </a:r>
+            <a:endParaRPr lang="de-DE" dirty="0"/>
+          </a:p>
+        </p:txBody>
+      </p:sp>
+      <p:sp>
+        <p:nvSpPr>
+          <p:cNvPr id="6" name="Foliennummernplatzhalter 5"/>
+          <p:cNvSpPr>
+            <a:spLocks noGrp="1"/>
+          </p:cNvSpPr>
+          <p:nvPr>
+            <p:ph type="sldNum" sz="quarter" idx="12"/>
+          </p:nvPr>
+        </p:nvSpPr>
+        <p:spPr/>
+        <p:txBody>
+          <a:bodyPr/>
+          <a:lstStyle/>
+          <a:p>
+            <a:fld id="{015363AA-F6CB-4A58-B5AD-B2CDFEAF0813}" type="slidenum">
+              <a:rPr lang="de-DE" smtClean="0"/>
+              <a:pPr/>
+              <a:t>10</a:t>
+            </a:fld>
+            <a:endParaRPr lang="de-DE"/>
+          </a:p>
+        </p:txBody>
+      </p:sp>
+      <p:pic>
+        <p:nvPicPr>
+          <p:cNvPr id="7" name="Grafik 6" descr="Bildschirmausschnitt"/>
+          <p:cNvPicPr>
+            <a:picLocks noChangeAspect="1"/>
+          </p:cNvPicPr>
+          <p:nvPr/>
+        </p:nvPicPr>
+        <p:blipFill>
+          <a:blip r:embed="rId3" cstate="print">
+            <a:extLst>
+              <a:ext uri="{28A0092B-C50C-407E-A947-70E740481C1C}">
+                <a14:useLocalDpi xmlns:a14="http://schemas.microsoft.com/office/drawing/2010/main" val="0"/>
+              </a:ext>
+            </a:extLst>
+          </a:blip>
+          <a:stretch>
+            <a:fillRect/>
+          </a:stretch>
+        </p:blipFill>
+        <p:spPr>
+          <a:xfrm>
+            <a:off x="5056519" y="1419622"/>
+            <a:ext cx="3913845" cy="2376264"/>
+          </a:xfrm>
+          <a:prstGeom prst="rect">
+            <a:avLst/>
+          </a:prstGeom>
+          <a:ln>
+            <a:solidFill>
+              <a:schemeClr val="tx1"/>
+            </a:solidFill>
+          </a:ln>
+        </p:spPr>
+      </p:pic>
+      <p:sp>
+        <p:nvSpPr>
+          <p:cNvPr id="8" name="Textfeld 7"/>
+          <p:cNvSpPr txBox="1"/>
+          <p:nvPr/>
+        </p:nvSpPr>
+        <p:spPr>
+          <a:xfrm>
+            <a:off x="5292080" y="3837697"/>
+            <a:ext cx="3384376" cy="246221"/>
+          </a:xfrm>
+          <a:prstGeom prst="rect">
+            <a:avLst/>
+          </a:prstGeom>
+          <a:noFill/>
+        </p:spPr>
+        <p:txBody>
+          <a:bodyPr wrap="square" rtlCol="0">
+            <a:spAutoFit/>
+          </a:bodyPr>
+          <a:lstStyle/>
+          <a:p>
+            <a:pPr algn="ctr"/>
+            <a:r>
+              <a:rPr lang="de-DE" sz="1000" dirty="0" smtClean="0"/>
+              <a:t>Varianz-Kovarianz-Matrix der Versuchsreihe (Kline, 2015)</a:t>
+            </a:r>
+            <a:endParaRPr lang="de-DE" sz="1000" dirty="0"/>
+          </a:p>
+        </p:txBody>
+      </p:sp>
+    </p:spTree>
+    <p:extLst>
+      <p:ext uri="{BB962C8B-B14F-4D97-AF65-F5344CB8AC3E}">
+        <p14:creationId xmlns:p14="http://schemas.microsoft.com/office/powerpoint/2010/main" val="1483792533"/>
+      </p:ext>
+    </p:extLst>
+  </p:cSld>
+  <p:clrMapOvr>
+    <a:masterClrMapping/>
+  </p:clrMapOvr>
+</p:sld>
+</file>
+
+<file path=ppt/slides/slide11.xml><?xml version="1.0" encoding="utf-8"?>
+<p:sld xmlns:a="http://schemas.openxmlformats.org/drawingml/2006/main" xmlns:r="http://schemas.openxmlformats.org/officeDocument/2006/relationships" xmlns:p="http://schemas.openxmlformats.org/presentationml/2006/main">
+  <p:cSld>
+    <p:spTree>
+      <p:nvGrpSpPr>
+        <p:cNvPr id="1" name=""/>
+        <p:cNvGrpSpPr/>
+        <p:nvPr/>
+      </p:nvGrpSpPr>
+      <p:grpSpPr>
+        <a:xfrm>
+          <a:off x="0" y="0"/>
+          <a:ext cx="0" cy="0"/>
+          <a:chOff x="0" y="0"/>
+          <a:chExt cx="0" cy="0"/>
+        </a:xfrm>
+      </p:grpSpPr>
+      <p:sp>
+        <p:nvSpPr>
+          <p:cNvPr id="2" name="Titel 1"/>
+          <p:cNvSpPr>
+            <a:spLocks noGrp="1"/>
+          </p:cNvSpPr>
+          <p:nvPr>
+            <p:ph type="title"/>
+          </p:nvPr>
+        </p:nvSpPr>
+        <p:spPr/>
+        <p:txBody>
+          <a:bodyPr/>
+          <a:lstStyle/>
+          <a:p>
+            <a:r>
+              <a:rPr lang="de-DE" dirty="0" smtClean="0"/>
+              <a:t>Lineare Wachstumsmodelle</a:t>
+            </a:r>
+            <a:endParaRPr lang="de-DE" dirty="0"/>
+          </a:p>
+        </p:txBody>
+      </p:sp>
+      <p:sp>
+        <p:nvSpPr>
+          <p:cNvPr id="3" name="Inhaltsplatzhalter 2"/>
+          <p:cNvSpPr>
+            <a:spLocks noGrp="1"/>
+          </p:cNvSpPr>
+          <p:nvPr>
+            <p:ph idx="1"/>
+          </p:nvPr>
+        </p:nvSpPr>
+        <p:spPr/>
+        <p:txBody>
+          <a:bodyPr/>
+          <a:lstStyle/>
+          <a:p>
+            <a:endParaRPr lang="de-DE"/>
+          </a:p>
+        </p:txBody>
+      </p:sp>
+      <p:sp>
+        <p:nvSpPr>
+          <p:cNvPr id="4" name="Datumsplatzhalter 3"/>
+          <p:cNvSpPr>
+            <a:spLocks noGrp="1"/>
+          </p:cNvSpPr>
+          <p:nvPr>
+            <p:ph type="dt" sz="half" idx="10"/>
+          </p:nvPr>
+        </p:nvSpPr>
+        <p:spPr/>
+        <p:txBody>
+          <a:bodyPr/>
+          <a:lstStyle/>
+          <a:p>
+            <a:fld id="{6DB845E5-DACF-426C-8A10-A6438D29DD66}" type="datetime1">
+              <a:rPr lang="de-DE" smtClean="0"/>
+              <a:pPr/>
+              <a:t>19.02.2018</a:t>
+            </a:fld>
+            <a:endParaRPr lang="de-DE"/>
+          </a:p>
+        </p:txBody>
+      </p:sp>
+      <p:sp>
+        <p:nvSpPr>
+          <p:cNvPr id="5" name="Fußzeilenplatzhalter 4"/>
+          <p:cNvSpPr>
+            <a:spLocks noGrp="1"/>
+          </p:cNvSpPr>
+          <p:nvPr>
+            <p:ph type="ftr" sz="quarter" idx="11"/>
+          </p:nvPr>
+        </p:nvSpPr>
+        <p:spPr/>
+        <p:txBody>
+          <a:bodyPr/>
+          <a:lstStyle/>
+          <a:p>
+            <a:r>
+              <a:rPr lang="de-DE" smtClean="0"/>
+              <a:t>Structural Equation Modelling – Wintersemester 2017/2018</a:t>
+            </a:r>
+            <a:endParaRPr lang="de-DE" dirty="0"/>
+          </a:p>
+        </p:txBody>
+      </p:sp>
+      <p:sp>
+        <p:nvSpPr>
+          <p:cNvPr id="6" name="Foliennummernplatzhalter 5"/>
+          <p:cNvSpPr>
+            <a:spLocks noGrp="1"/>
+          </p:cNvSpPr>
+          <p:nvPr>
+            <p:ph type="sldNum" sz="quarter" idx="12"/>
+          </p:nvPr>
+        </p:nvSpPr>
+        <p:spPr/>
+        <p:txBody>
+          <a:bodyPr/>
+          <a:lstStyle/>
+          <a:p>
+            <a:fld id="{015363AA-F6CB-4A58-B5AD-B2CDFEAF0813}" type="slidenum">
+              <a:rPr lang="de-DE" smtClean="0"/>
+              <a:pPr/>
+              <a:t>11</a:t>
+            </a:fld>
+            <a:endParaRPr lang="de-DE"/>
+          </a:p>
+        </p:txBody>
+      </p:sp>
+    </p:spTree>
+    <p:extLst>
+      <p:ext uri="{BB962C8B-B14F-4D97-AF65-F5344CB8AC3E}">
+        <p14:creationId xmlns:p14="http://schemas.microsoft.com/office/powerpoint/2010/main" val="3102899165"/>
+      </p:ext>
+    </p:extLst>
+  </p:cSld>
+  <p:clrMapOvr>
+    <a:masterClrMapping/>
+  </p:clrMapOvr>
+  <p:timing>
+    <p:tnLst>
+      <p:par>
+        <p:cTn id="1" dur="indefinite" restart="never" nodeType="tmRoot"/>
+      </p:par>
+    </p:tnLst>
+  </p:timing>
+</p:sld>
+</file>
+
+<file path=ppt/slides/slide12.xml><?xml version="1.0" encoding="utf-8"?>
+<p:sld xmlns:a="http://schemas.openxmlformats.org/drawingml/2006/main" xmlns:r="http://schemas.openxmlformats.org/officeDocument/2006/relationships" xmlns:p="http://schemas.openxmlformats.org/presentationml/2006/main">
+  <p:cSld>
+    <p:spTree>
+      <p:nvGrpSpPr>
+        <p:cNvPr id="1" name=""/>
+        <p:cNvGrpSpPr/>
+        <p:nvPr/>
+      </p:nvGrpSpPr>
+      <p:grpSpPr>
+        <a:xfrm>
+          <a:off x="0" y="0"/>
+          <a:ext cx="0" cy="0"/>
+          <a:chOff x="0" y="0"/>
+          <a:chExt cx="0" cy="0"/>
+        </a:xfrm>
+      </p:grpSpPr>
+      <p:sp>
+        <p:nvSpPr>
+          <p:cNvPr id="2" name="Titel 1"/>
+          <p:cNvSpPr>
+            <a:spLocks noGrp="1"/>
+          </p:cNvSpPr>
+          <p:nvPr>
+            <p:ph type="title"/>
+          </p:nvPr>
+        </p:nvSpPr>
+        <p:spPr/>
+        <p:txBody>
+          <a:bodyPr/>
+          <a:lstStyle/>
+          <a:p>
+            <a:r>
+              <a:rPr lang="de-DE" dirty="0" smtClean="0"/>
+              <a:t>Lineare Wachstumsmodelle</a:t>
+            </a:r>
+            <a:endParaRPr lang="de-DE" dirty="0"/>
+          </a:p>
+        </p:txBody>
+      </p:sp>
+      <p:sp>
+        <p:nvSpPr>
+          <p:cNvPr id="3" name="Textplatzhalter 2"/>
+          <p:cNvSpPr>
+            <a:spLocks noGrp="1"/>
+          </p:cNvSpPr>
+          <p:nvPr>
+            <p:ph type="body" idx="1"/>
+          </p:nvPr>
+        </p:nvSpPr>
+        <p:spPr/>
+        <p:txBody>
+          <a:bodyPr/>
+          <a:lstStyle/>
+          <a:p>
+            <a:r>
+              <a:rPr lang="de-DE" dirty="0" smtClean="0"/>
+              <a:t>Lineare Daten</a:t>
+            </a:r>
+            <a:endParaRPr lang="de-DE" dirty="0"/>
+          </a:p>
+        </p:txBody>
+      </p:sp>
+      <p:sp>
+        <p:nvSpPr>
+          <p:cNvPr id="4" name="Inhaltsplatzhalter 3"/>
+          <p:cNvSpPr>
+            <a:spLocks noGrp="1"/>
+          </p:cNvSpPr>
+          <p:nvPr>
+            <p:ph sz="half" idx="2"/>
+          </p:nvPr>
+        </p:nvSpPr>
+        <p:spPr/>
+        <p:txBody>
+          <a:bodyPr/>
+          <a:lstStyle/>
+          <a:p>
+            <a:endParaRPr lang="de-DE" dirty="0"/>
+          </a:p>
+        </p:txBody>
+      </p:sp>
+      <p:sp>
+        <p:nvSpPr>
+          <p:cNvPr id="5" name="Textplatzhalter 4"/>
+          <p:cNvSpPr>
+            <a:spLocks noGrp="1"/>
+          </p:cNvSpPr>
+          <p:nvPr>
+            <p:ph type="body" sz="quarter" idx="3"/>
+          </p:nvPr>
+        </p:nvSpPr>
+        <p:spPr/>
+        <p:txBody>
+          <a:bodyPr/>
+          <a:lstStyle/>
+          <a:p>
+            <a:r>
+              <a:rPr lang="de-DE" dirty="0" smtClean="0"/>
+              <a:t>Quadratische Daten</a:t>
+            </a:r>
+            <a:endParaRPr lang="de-DE" dirty="0"/>
+          </a:p>
+        </p:txBody>
+      </p:sp>
+      <p:sp>
+        <p:nvSpPr>
+          <p:cNvPr id="6" name="Inhaltsplatzhalter 5"/>
+          <p:cNvSpPr>
+            <a:spLocks noGrp="1"/>
+          </p:cNvSpPr>
+          <p:nvPr>
+            <p:ph sz="quarter" idx="4"/>
+          </p:nvPr>
+        </p:nvSpPr>
+        <p:spPr/>
+        <p:txBody>
+          <a:bodyPr/>
+          <a:lstStyle/>
+          <a:p>
+            <a:endParaRPr lang="de-DE" dirty="0"/>
+          </a:p>
+        </p:txBody>
+      </p:sp>
+      <p:sp>
+        <p:nvSpPr>
+          <p:cNvPr id="7" name="Datumsplatzhalter 6"/>
+          <p:cNvSpPr>
+            <a:spLocks noGrp="1"/>
+          </p:cNvSpPr>
+          <p:nvPr>
+            <p:ph type="dt" sz="half" idx="10"/>
+          </p:nvPr>
+        </p:nvSpPr>
+        <p:spPr/>
+        <p:txBody>
+          <a:bodyPr/>
+          <a:lstStyle/>
+          <a:p>
+            <a:fld id="{DA5DE712-6C0E-4DF7-B336-AC97213DC93D}" type="datetime1">
+              <a:rPr lang="de-DE" smtClean="0"/>
+              <a:pPr/>
+              <a:t>19.02.2018</a:t>
+            </a:fld>
+            <a:endParaRPr lang="de-DE"/>
+          </a:p>
+        </p:txBody>
+      </p:sp>
+      <p:sp>
+        <p:nvSpPr>
+          <p:cNvPr id="8" name="Fußzeilenplatzhalter 7"/>
+          <p:cNvSpPr>
+            <a:spLocks noGrp="1"/>
+          </p:cNvSpPr>
+          <p:nvPr>
+            <p:ph type="ftr" sz="quarter" idx="11"/>
+          </p:nvPr>
+        </p:nvSpPr>
+        <p:spPr/>
+        <p:txBody>
+          <a:bodyPr/>
+          <a:lstStyle/>
+          <a:p>
+            <a:r>
+              <a:rPr lang="de-DE" smtClean="0"/>
+              <a:t>Structural Equation Modelling – Wintersemester 2017/2018</a:t>
+            </a:r>
+            <a:endParaRPr lang="de-DE" dirty="0"/>
+          </a:p>
+        </p:txBody>
+      </p:sp>
+      <p:sp>
+        <p:nvSpPr>
+          <p:cNvPr id="9" name="Foliennummernplatzhalter 8"/>
+          <p:cNvSpPr>
+            <a:spLocks noGrp="1"/>
+          </p:cNvSpPr>
+          <p:nvPr>
+            <p:ph type="sldNum" sz="quarter" idx="12"/>
+          </p:nvPr>
+        </p:nvSpPr>
+        <p:spPr/>
+        <p:txBody>
+          <a:bodyPr/>
+          <a:lstStyle/>
+          <a:p>
+            <a:fld id="{015363AA-F6CB-4A58-B5AD-B2CDFEAF0813}" type="slidenum">
+              <a:rPr lang="de-DE" smtClean="0"/>
+              <a:pPr/>
+              <a:t>12</a:t>
+            </a:fld>
+            <a:endParaRPr lang="de-DE"/>
+          </a:p>
+        </p:txBody>
+      </p:sp>
+      <p:sp>
+        <p:nvSpPr>
+          <p:cNvPr id="10" name="Inhaltsplatzhalter 9"/>
+          <p:cNvSpPr>
+            <a:spLocks noGrp="1"/>
+          </p:cNvSpPr>
+          <p:nvPr>
+            <p:ph sz="quarter" idx="13"/>
+          </p:nvPr>
+        </p:nvSpPr>
+        <p:spPr/>
+        <p:txBody>
+          <a:bodyPr/>
+          <a:lstStyle/>
+          <a:p>
+            <a:endParaRPr lang="de-DE" dirty="0"/>
+          </a:p>
+        </p:txBody>
+      </p:sp>
+      <p:sp>
+        <p:nvSpPr>
+          <p:cNvPr id="11" name="Textplatzhalter 10"/>
+          <p:cNvSpPr>
+            <a:spLocks noGrp="1"/>
+          </p:cNvSpPr>
+          <p:nvPr>
+            <p:ph type="body" sz="quarter" idx="14"/>
+          </p:nvPr>
+        </p:nvSpPr>
+        <p:spPr/>
+        <p:txBody>
+          <a:bodyPr/>
+          <a:lstStyle/>
+          <a:p>
+            <a:r>
+              <a:rPr lang="de-DE" dirty="0" err="1" smtClean="0"/>
+              <a:t>Exponetielle</a:t>
+            </a:r>
+            <a:r>
+              <a:rPr lang="de-DE" dirty="0" smtClean="0"/>
+              <a:t> Daten</a:t>
+            </a:r>
+            <a:endParaRPr lang="de-DE" dirty="0"/>
+          </a:p>
+        </p:txBody>
+      </p:sp>
+      <p:sp>
+        <p:nvSpPr>
+          <p:cNvPr id="12" name="Inhaltsplatzhalter 11"/>
+          <p:cNvSpPr>
+            <a:spLocks noGrp="1"/>
+          </p:cNvSpPr>
+          <p:nvPr>
+            <p:ph sz="quarter" idx="15"/>
+          </p:nvPr>
+        </p:nvSpPr>
+        <p:spPr/>
+        <p:txBody>
+          <a:bodyPr/>
+          <a:lstStyle/>
+          <a:p>
+            <a:endParaRPr lang="de-DE" dirty="0"/>
+          </a:p>
+        </p:txBody>
+      </p:sp>
+    </p:spTree>
+    <p:extLst>
+      <p:ext uri="{BB962C8B-B14F-4D97-AF65-F5344CB8AC3E}">
+        <p14:creationId xmlns:p14="http://schemas.microsoft.com/office/powerpoint/2010/main" val="2053520102"/>
+      </p:ext>
+    </p:extLst>
+  </p:cSld>
+  <p:clrMapOvr>
+    <a:masterClrMapping/>
+  </p:clrMapOvr>
+  <p:timing>
+    <p:tnLst>
+      <p:par>
+        <p:cTn id="1" dur="indefinite" restart="never" nodeType="tmRoot"/>
+      </p:par>
+    </p:tnLst>
+  </p:timing>
+</p:sld>
+</file>
+
+<file path=ppt/slides/slide13.xml><?xml version="1.0" encoding="utf-8"?>
+<p:sld xmlns:a="http://schemas.openxmlformats.org/drawingml/2006/main" xmlns:r="http://schemas.openxmlformats.org/officeDocument/2006/relationships" xmlns:p="http://schemas.openxmlformats.org/presentationml/2006/main">
+  <p:cSld>
+    <p:spTree>
+      <p:nvGrpSpPr>
+        <p:cNvPr id="1" name=""/>
+        <p:cNvGrpSpPr/>
+        <p:nvPr/>
+      </p:nvGrpSpPr>
+      <p:grpSpPr>
+        <a:xfrm>
+          <a:off x="0" y="0"/>
+          <a:ext cx="0" cy="0"/>
+          <a:chOff x="0" y="0"/>
+          <a:chExt cx="0" cy="0"/>
+        </a:xfrm>
+      </p:grpSpPr>
+      <p:sp>
+        <p:nvSpPr>
+          <p:cNvPr id="2" name="Titel 1"/>
+          <p:cNvSpPr>
+            <a:spLocks noGrp="1"/>
+          </p:cNvSpPr>
+          <p:nvPr>
+            <p:ph type="title"/>
+          </p:nvPr>
+        </p:nvSpPr>
+        <p:spPr/>
+        <p:txBody>
+          <a:bodyPr>
+            <a:normAutofit fontScale="90000"/>
+          </a:bodyPr>
+          <a:lstStyle/>
+          <a:p>
+            <a:r>
+              <a:rPr lang="de-DE" dirty="0" smtClean="0"/>
+              <a:t>Ansätze zur Parameterbestimmung – Random </a:t>
+            </a:r>
+            <a:r>
+              <a:rPr lang="de-DE" dirty="0" err="1" smtClean="0"/>
+              <a:t>Intercept</a:t>
+            </a:r>
+            <a:r>
+              <a:rPr lang="de-DE" dirty="0" smtClean="0"/>
+              <a:t>, Fixed </a:t>
+            </a:r>
+            <a:r>
+              <a:rPr lang="de-DE" dirty="0" err="1" smtClean="0"/>
+              <a:t>Slope</a:t>
+            </a:r>
+            <a:endParaRPr lang="de-DE" dirty="0"/>
+          </a:p>
+        </p:txBody>
+      </p:sp>
+      <p:sp>
+        <p:nvSpPr>
+          <p:cNvPr id="3" name="Inhaltsplatzhalter 2"/>
+          <p:cNvSpPr>
+            <a:spLocks noGrp="1"/>
+          </p:cNvSpPr>
+          <p:nvPr>
+            <p:ph idx="1"/>
+          </p:nvPr>
+        </p:nvSpPr>
+        <p:spPr/>
+        <p:txBody>
+          <a:bodyPr/>
+          <a:lstStyle/>
+          <a:p>
+            <a:endParaRPr lang="de-DE" dirty="0"/>
+          </a:p>
+        </p:txBody>
+      </p:sp>
+      <p:sp>
+        <p:nvSpPr>
+          <p:cNvPr id="4" name="Datumsplatzhalter 3"/>
+          <p:cNvSpPr>
+            <a:spLocks noGrp="1"/>
+          </p:cNvSpPr>
+          <p:nvPr>
+            <p:ph type="dt" sz="half" idx="10"/>
+          </p:nvPr>
+        </p:nvSpPr>
+        <p:spPr/>
+        <p:txBody>
+          <a:bodyPr/>
+          <a:lstStyle/>
+          <a:p>
+            <a:fld id="{6DB845E5-DACF-426C-8A10-A6438D29DD66}" type="datetime1">
+              <a:rPr lang="de-DE" smtClean="0"/>
+              <a:pPr/>
+              <a:t>19.02.2018</a:t>
+            </a:fld>
+            <a:endParaRPr lang="de-DE"/>
+          </a:p>
+        </p:txBody>
+      </p:sp>
+      <p:sp>
+        <p:nvSpPr>
+          <p:cNvPr id="5" name="Fußzeilenplatzhalter 4"/>
+          <p:cNvSpPr>
+            <a:spLocks noGrp="1"/>
+          </p:cNvSpPr>
+          <p:nvPr>
+            <p:ph type="ftr" sz="quarter" idx="11"/>
+          </p:nvPr>
+        </p:nvSpPr>
+        <p:spPr/>
+        <p:txBody>
+          <a:bodyPr/>
+          <a:lstStyle/>
+          <a:p>
+            <a:r>
+              <a:rPr lang="de-DE" smtClean="0"/>
+              <a:t>Structural Equation Modelling – Wintersemester 2017/2018</a:t>
+            </a:r>
+            <a:endParaRPr lang="de-DE" dirty="0"/>
+          </a:p>
+        </p:txBody>
+      </p:sp>
+      <p:sp>
+        <p:nvSpPr>
+          <p:cNvPr id="6" name="Foliennummernplatzhalter 5"/>
+          <p:cNvSpPr>
+            <a:spLocks noGrp="1"/>
+          </p:cNvSpPr>
+          <p:nvPr>
+            <p:ph type="sldNum" sz="quarter" idx="12"/>
+          </p:nvPr>
+        </p:nvSpPr>
+        <p:spPr/>
+        <p:txBody>
+          <a:bodyPr/>
+          <a:lstStyle/>
+          <a:p>
+            <a:fld id="{015363AA-F6CB-4A58-B5AD-B2CDFEAF0813}" type="slidenum">
+              <a:rPr lang="de-DE" smtClean="0"/>
+              <a:pPr/>
+              <a:t>13</a:t>
+            </a:fld>
+            <a:endParaRPr lang="de-DE"/>
+          </a:p>
+        </p:txBody>
+      </p:sp>
+    </p:spTree>
+    <p:extLst>
+      <p:ext uri="{BB962C8B-B14F-4D97-AF65-F5344CB8AC3E}">
+        <p14:creationId xmlns:p14="http://schemas.microsoft.com/office/powerpoint/2010/main" val="500718638"/>
+      </p:ext>
+    </p:extLst>
+  </p:cSld>
+  <p:clrMapOvr>
+    <a:masterClrMapping/>
+  </p:clrMapOvr>
+</p:sld>
+</file>
+
+<file path=ppt/slides/slide14.xml><?xml version="1.0" encoding="utf-8"?>
+<p:sld xmlns:a="http://schemas.openxmlformats.org/drawingml/2006/main" xmlns:r="http://schemas.openxmlformats.org/officeDocument/2006/relationships" xmlns:p="http://schemas.openxmlformats.org/presentationml/2006/main">
+  <p:cSld>
+    <p:spTree>
+      <p:nvGrpSpPr>
+        <p:cNvPr id="1" name=""/>
+        <p:cNvGrpSpPr/>
+        <p:nvPr/>
+      </p:nvGrpSpPr>
+      <p:grpSpPr>
+        <a:xfrm>
+          <a:off x="0" y="0"/>
+          <a:ext cx="0" cy="0"/>
+          <a:chOff x="0" y="0"/>
+          <a:chExt cx="0" cy="0"/>
+        </a:xfrm>
+      </p:grpSpPr>
+      <p:sp>
+        <p:nvSpPr>
+          <p:cNvPr id="2" name="Titel 1"/>
+          <p:cNvSpPr>
+            <a:spLocks noGrp="1"/>
+          </p:cNvSpPr>
+          <p:nvPr>
+            <p:ph type="title"/>
+          </p:nvPr>
+        </p:nvSpPr>
+        <p:spPr/>
+        <p:txBody>
+          <a:bodyPr/>
+          <a:lstStyle/>
+          <a:p>
+            <a:r>
+              <a:rPr lang="de-DE" dirty="0" smtClean="0"/>
+              <a:t>Ansätze zur Parameterbestimmung – Autoregression </a:t>
+            </a:r>
+            <a:endParaRPr lang="de-DE" dirty="0"/>
+          </a:p>
+        </p:txBody>
+      </p:sp>
+      <p:sp>
+        <p:nvSpPr>
+          <p:cNvPr id="3" name="Inhaltsplatzhalter 2"/>
+          <p:cNvSpPr>
+            <a:spLocks noGrp="1"/>
+          </p:cNvSpPr>
+          <p:nvPr>
+            <p:ph idx="1"/>
+          </p:nvPr>
+        </p:nvSpPr>
+        <p:spPr/>
+        <p:txBody>
+          <a:bodyPr/>
+          <a:lstStyle/>
+          <a:p>
+            <a:r>
+              <a:rPr lang="de-DE" dirty="0" smtClean="0"/>
+              <a:t>Hinzufügen von Strukturgleichungen zwischen aufeinanderfolgenden Versuchen</a:t>
+            </a:r>
+          </a:p>
+          <a:p>
+            <a:r>
+              <a:rPr lang="de-DE" dirty="0" smtClean="0"/>
+              <a:t>Wirkung auf Variable von Versuch(x): </a:t>
+            </a:r>
+            <a:r>
+              <a:rPr lang="de-DE" dirty="0" err="1" smtClean="0"/>
+              <a:t>Intercept</a:t>
+            </a:r>
+            <a:r>
+              <a:rPr lang="de-DE" dirty="0" smtClean="0"/>
+              <a:t> + x*</a:t>
+            </a:r>
+            <a:r>
+              <a:rPr lang="de-DE" dirty="0" err="1" smtClean="0"/>
+              <a:t>Slope</a:t>
+            </a:r>
+            <a:r>
+              <a:rPr lang="de-DE" dirty="0" smtClean="0"/>
+              <a:t> + c*Versuch(x-1)</a:t>
+            </a:r>
+            <a:endParaRPr lang="de-DE" dirty="0"/>
+          </a:p>
+        </p:txBody>
+      </p:sp>
+      <p:sp>
+        <p:nvSpPr>
+          <p:cNvPr id="4" name="Datumsplatzhalter 3"/>
+          <p:cNvSpPr>
+            <a:spLocks noGrp="1"/>
+          </p:cNvSpPr>
+          <p:nvPr>
+            <p:ph type="dt" sz="half" idx="10"/>
+          </p:nvPr>
+        </p:nvSpPr>
+        <p:spPr/>
+        <p:txBody>
+          <a:bodyPr/>
+          <a:lstStyle/>
+          <a:p>
+            <a:fld id="{6DB845E5-DACF-426C-8A10-A6438D29DD66}" type="datetime1">
+              <a:rPr lang="de-DE" smtClean="0"/>
+              <a:pPr/>
+              <a:t>19.02.2018</a:t>
+            </a:fld>
+            <a:endParaRPr lang="de-DE"/>
+          </a:p>
+        </p:txBody>
+      </p:sp>
+      <p:sp>
+        <p:nvSpPr>
+          <p:cNvPr id="5" name="Fußzeilenplatzhalter 4"/>
+          <p:cNvSpPr>
+            <a:spLocks noGrp="1"/>
+          </p:cNvSpPr>
+          <p:nvPr>
+            <p:ph type="ftr" sz="quarter" idx="11"/>
+          </p:nvPr>
+        </p:nvSpPr>
+        <p:spPr/>
+        <p:txBody>
+          <a:bodyPr/>
+          <a:lstStyle/>
+          <a:p>
+            <a:r>
+              <a:rPr lang="de-DE" smtClean="0"/>
+              <a:t>Structural Equation Modelling – Wintersemester 2017/2018</a:t>
+            </a:r>
+            <a:endParaRPr lang="de-DE" dirty="0"/>
+          </a:p>
+        </p:txBody>
+      </p:sp>
+      <p:sp>
+        <p:nvSpPr>
+          <p:cNvPr id="6" name="Foliennummernplatzhalter 5"/>
+          <p:cNvSpPr>
+            <a:spLocks noGrp="1"/>
+          </p:cNvSpPr>
+          <p:nvPr>
+            <p:ph type="sldNum" sz="quarter" idx="12"/>
+          </p:nvPr>
+        </p:nvSpPr>
+        <p:spPr/>
+        <p:txBody>
+          <a:bodyPr/>
+          <a:lstStyle/>
+          <a:p>
+            <a:fld id="{015363AA-F6CB-4A58-B5AD-B2CDFEAF0813}" type="slidenum">
+              <a:rPr lang="de-DE" smtClean="0"/>
+              <a:pPr/>
+              <a:t>14</a:t>
+            </a:fld>
+            <a:endParaRPr lang="de-DE"/>
+          </a:p>
+        </p:txBody>
+      </p:sp>
+      <p:pic>
+        <p:nvPicPr>
+          <p:cNvPr id="7" name="Grafik 6"/>
+          <p:cNvPicPr>
+            <a:picLocks noChangeAspect="1"/>
+          </p:cNvPicPr>
+          <p:nvPr/>
+        </p:nvPicPr>
+        <p:blipFill rotWithShape="1">
+          <a:blip r:embed="rId2" cstate="print">
+            <a:extLst>
+              <a:ext uri="{BEBA8EAE-BF5A-486C-A8C5-ECC9F3942E4B}">
+                <a14:imgProps xmlns:a14="http://schemas.microsoft.com/office/drawing/2010/main">
+                  <a14:imgLayer r:embed="rId3">
+                    <a14:imgEffect>
+                      <a14:sharpenSoften amount="50000"/>
+                    </a14:imgEffect>
+                  </a14:imgLayer>
+                </a14:imgProps>
+              </a:ext>
+              <a:ext uri="{28A0092B-C50C-407E-A947-70E740481C1C}">
+                <a14:useLocalDpi xmlns:a14="http://schemas.microsoft.com/office/drawing/2010/main" val="0"/>
+              </a:ext>
+            </a:extLst>
+          </a:blip>
+          <a:srcRect l="12871" t="5432" r="12871" b="11533"/>
+          <a:stretch/>
+        </p:blipFill>
+        <p:spPr>
+          <a:xfrm>
+            <a:off x="1979714" y="1563638"/>
+            <a:ext cx="5184576" cy="3010399"/>
+          </a:xfrm>
+          <a:prstGeom prst="rect">
+            <a:avLst/>
+          </a:prstGeom>
+        </p:spPr>
+      </p:pic>
+    </p:spTree>
+    <p:extLst>
+      <p:ext uri="{BB962C8B-B14F-4D97-AF65-F5344CB8AC3E}">
+        <p14:creationId xmlns:p14="http://schemas.microsoft.com/office/powerpoint/2010/main" val="2130183721"/>
+      </p:ext>
+    </p:extLst>
+  </p:cSld>
+  <p:clrMapOvr>
+    <a:masterClrMapping/>
+  </p:clrMapOvr>
+</p:sld>
+</file>
+
+<file path=ppt/slides/slide15.xml><?xml version="1.0" encoding="utf-8"?>
+<p:sld xmlns:a="http://schemas.openxmlformats.org/drawingml/2006/main" xmlns:r="http://schemas.openxmlformats.org/officeDocument/2006/relationships" xmlns:p="http://schemas.openxmlformats.org/presentationml/2006/main">
+  <p:cSld>
+    <p:spTree>
+      <p:nvGrpSpPr>
+        <p:cNvPr id="1" name=""/>
+        <p:cNvGrpSpPr/>
+        <p:nvPr/>
+      </p:nvGrpSpPr>
+      <p:grpSpPr>
+        <a:xfrm>
+          <a:off x="0" y="0"/>
+          <a:ext cx="0" cy="0"/>
+          <a:chOff x="0" y="0"/>
+          <a:chExt cx="0" cy="0"/>
+        </a:xfrm>
+      </p:grpSpPr>
+      <p:sp>
+        <p:nvSpPr>
+          <p:cNvPr id="2" name="Titel 1"/>
+          <p:cNvSpPr>
+            <a:spLocks noGrp="1"/>
+          </p:cNvSpPr>
+          <p:nvPr>
+            <p:ph type="title"/>
+          </p:nvPr>
+        </p:nvSpPr>
+        <p:spPr/>
+        <p:txBody>
+          <a:bodyPr/>
+          <a:lstStyle/>
+          <a:p>
+            <a:r>
+              <a:rPr lang="de-DE" dirty="0" smtClean="0"/>
+              <a:t>Ansätze zur Parameterbestimmung – Random </a:t>
+            </a:r>
+            <a:r>
+              <a:rPr lang="de-DE" dirty="0" err="1" smtClean="0"/>
+              <a:t>Intercept</a:t>
+            </a:r>
+            <a:r>
+              <a:rPr lang="de-DE" dirty="0" smtClean="0"/>
+              <a:t> &amp; </a:t>
+            </a:r>
+            <a:r>
+              <a:rPr lang="de-DE" dirty="0" err="1" smtClean="0"/>
+              <a:t>Slope</a:t>
+            </a:r>
+            <a:endParaRPr lang="de-DE" dirty="0"/>
+          </a:p>
+        </p:txBody>
+      </p:sp>
+      <p:sp>
+        <p:nvSpPr>
+          <p:cNvPr id="3" name="Inhaltsplatzhalter 2"/>
+          <p:cNvSpPr>
+            <a:spLocks noGrp="1"/>
+          </p:cNvSpPr>
+          <p:nvPr>
+            <p:ph idx="1"/>
+          </p:nvPr>
+        </p:nvSpPr>
+        <p:spPr/>
+        <p:txBody>
+          <a:bodyPr/>
+          <a:lstStyle/>
+          <a:p>
+            <a:endParaRPr lang="de-DE"/>
+          </a:p>
+        </p:txBody>
+      </p:sp>
+      <p:sp>
+        <p:nvSpPr>
+          <p:cNvPr id="4" name="Datumsplatzhalter 3"/>
+          <p:cNvSpPr>
+            <a:spLocks noGrp="1"/>
+          </p:cNvSpPr>
+          <p:nvPr>
+            <p:ph type="dt" sz="half" idx="10"/>
+          </p:nvPr>
+        </p:nvSpPr>
+        <p:spPr/>
+        <p:txBody>
+          <a:bodyPr/>
+          <a:lstStyle/>
+          <a:p>
+            <a:fld id="{6DB845E5-DACF-426C-8A10-A6438D29DD66}" type="datetime1">
+              <a:rPr lang="de-DE" smtClean="0"/>
+              <a:pPr/>
+              <a:t>19.02.2018</a:t>
+            </a:fld>
+            <a:endParaRPr lang="de-DE"/>
+          </a:p>
+        </p:txBody>
+      </p:sp>
+      <p:sp>
+        <p:nvSpPr>
+          <p:cNvPr id="5" name="Fußzeilenplatzhalter 4"/>
+          <p:cNvSpPr>
+            <a:spLocks noGrp="1"/>
+          </p:cNvSpPr>
+          <p:nvPr>
+            <p:ph type="ftr" sz="quarter" idx="11"/>
+          </p:nvPr>
+        </p:nvSpPr>
+        <p:spPr/>
+        <p:txBody>
+          <a:bodyPr/>
+          <a:lstStyle/>
+          <a:p>
+            <a:r>
+              <a:rPr lang="de-DE" smtClean="0"/>
+              <a:t>Structural Equation Modelling – Wintersemester 2017/2018</a:t>
+            </a:r>
+            <a:endParaRPr lang="de-DE" dirty="0"/>
+          </a:p>
+        </p:txBody>
+      </p:sp>
+      <p:sp>
+        <p:nvSpPr>
+          <p:cNvPr id="6" name="Foliennummernplatzhalter 5"/>
+          <p:cNvSpPr>
+            <a:spLocks noGrp="1"/>
+          </p:cNvSpPr>
+          <p:nvPr>
+            <p:ph type="sldNum" sz="quarter" idx="12"/>
+          </p:nvPr>
+        </p:nvSpPr>
+        <p:spPr/>
+        <p:txBody>
+          <a:bodyPr/>
+          <a:lstStyle/>
+          <a:p>
+            <a:fld id="{015363AA-F6CB-4A58-B5AD-B2CDFEAF0813}" type="slidenum">
+              <a:rPr lang="de-DE" smtClean="0"/>
+              <a:pPr/>
+              <a:t>15</a:t>
+            </a:fld>
+            <a:endParaRPr lang="de-DE"/>
+          </a:p>
+        </p:txBody>
+      </p:sp>
+    </p:spTree>
+    <p:extLst>
+      <p:ext uri="{BB962C8B-B14F-4D97-AF65-F5344CB8AC3E}">
+        <p14:creationId xmlns:p14="http://schemas.microsoft.com/office/powerpoint/2010/main" val="2977174581"/>
+      </p:ext>
+    </p:extLst>
+  </p:cSld>
+  <p:clrMapOvr>
+    <a:masterClrMapping/>
+  </p:clrMapOvr>
+</p:sld>
+</file>
+
+<file path=ppt/slides/slide16.xml><?xml version="1.0" encoding="utf-8"?>
+<p:sld xmlns:a="http://schemas.openxmlformats.org/drawingml/2006/main" xmlns:r="http://schemas.openxmlformats.org/officeDocument/2006/relationships" xmlns:p="http://schemas.openxmlformats.org/presentationml/2006/main">
+  <p:cSld>
+    <p:spTree>
+      <p:nvGrpSpPr>
+        <p:cNvPr id="1" name=""/>
+        <p:cNvGrpSpPr/>
+        <p:nvPr/>
+      </p:nvGrpSpPr>
+      <p:grpSpPr>
+        <a:xfrm>
+          <a:off x="0" y="0"/>
+          <a:ext cx="0" cy="0"/>
+          <a:chOff x="0" y="0"/>
+          <a:chExt cx="0" cy="0"/>
+        </a:xfrm>
+      </p:grpSpPr>
+      <p:sp>
+        <p:nvSpPr>
+          <p:cNvPr id="2" name="Titel 1"/>
+          <p:cNvSpPr>
+            <a:spLocks noGrp="1"/>
+          </p:cNvSpPr>
+          <p:nvPr>
+            <p:ph type="title"/>
+          </p:nvPr>
+        </p:nvSpPr>
+        <p:spPr/>
+        <p:txBody>
+          <a:bodyPr>
+            <a:normAutofit fontScale="90000"/>
+          </a:bodyPr>
+          <a:lstStyle/>
+          <a:p>
+            <a:r>
+              <a:rPr lang="de-DE" dirty="0" smtClean="0"/>
+              <a:t>Ansätze zur Parameterbestimmung – True Latent Change Score Model</a:t>
+            </a:r>
+            <a:endParaRPr lang="de-DE" dirty="0"/>
+          </a:p>
+        </p:txBody>
+      </p:sp>
+      <p:sp>
+        <p:nvSpPr>
+          <p:cNvPr id="3" name="Inhaltsplatzhalter 2"/>
+          <p:cNvSpPr>
+            <a:spLocks noGrp="1"/>
+          </p:cNvSpPr>
+          <p:nvPr>
+            <p:ph idx="1"/>
+          </p:nvPr>
+        </p:nvSpPr>
+        <p:spPr/>
+        <p:txBody>
+          <a:bodyPr/>
+          <a:lstStyle/>
+          <a:p>
+            <a:endParaRPr lang="de-DE" dirty="0"/>
+          </a:p>
+        </p:txBody>
+      </p:sp>
+      <p:sp>
+        <p:nvSpPr>
+          <p:cNvPr id="4" name="Datumsplatzhalter 3"/>
+          <p:cNvSpPr>
+            <a:spLocks noGrp="1"/>
+          </p:cNvSpPr>
+          <p:nvPr>
+            <p:ph type="dt" sz="half" idx="10"/>
+          </p:nvPr>
+        </p:nvSpPr>
+        <p:spPr/>
+        <p:txBody>
+          <a:bodyPr/>
+          <a:lstStyle/>
+          <a:p>
+            <a:fld id="{6DB845E5-DACF-426C-8A10-A6438D29DD66}" type="datetime1">
+              <a:rPr lang="de-DE" smtClean="0"/>
+              <a:pPr/>
+              <a:t>19.02.2018</a:t>
+            </a:fld>
+            <a:endParaRPr lang="de-DE"/>
+          </a:p>
+        </p:txBody>
+      </p:sp>
+      <p:sp>
+        <p:nvSpPr>
+          <p:cNvPr id="5" name="Fußzeilenplatzhalter 4"/>
+          <p:cNvSpPr>
+            <a:spLocks noGrp="1"/>
+          </p:cNvSpPr>
+          <p:nvPr>
+            <p:ph type="ftr" sz="quarter" idx="11"/>
+          </p:nvPr>
+        </p:nvSpPr>
+        <p:spPr/>
+        <p:txBody>
+          <a:bodyPr/>
+          <a:lstStyle/>
+          <a:p>
+            <a:r>
+              <a:rPr lang="de-DE" smtClean="0"/>
+              <a:t>Structural Equation Modelling – Wintersemester 2017/2018</a:t>
+            </a:r>
+            <a:endParaRPr lang="de-DE" dirty="0"/>
+          </a:p>
+        </p:txBody>
+      </p:sp>
+      <p:sp>
+        <p:nvSpPr>
+          <p:cNvPr id="6" name="Foliennummernplatzhalter 5"/>
+          <p:cNvSpPr>
+            <a:spLocks noGrp="1"/>
+          </p:cNvSpPr>
+          <p:nvPr>
+            <p:ph type="sldNum" sz="quarter" idx="12"/>
+          </p:nvPr>
+        </p:nvSpPr>
+        <p:spPr/>
+        <p:txBody>
+          <a:bodyPr/>
+          <a:lstStyle/>
+          <a:p>
+            <a:fld id="{015363AA-F6CB-4A58-B5AD-B2CDFEAF0813}" type="slidenum">
+              <a:rPr lang="de-DE" smtClean="0"/>
+              <a:pPr/>
+              <a:t>16</a:t>
+            </a:fld>
+            <a:endParaRPr lang="de-DE"/>
+          </a:p>
+        </p:txBody>
+      </p:sp>
+    </p:spTree>
+    <p:extLst>
+      <p:ext uri="{BB962C8B-B14F-4D97-AF65-F5344CB8AC3E}">
+        <p14:creationId xmlns:p14="http://schemas.microsoft.com/office/powerpoint/2010/main" val="799528340"/>
+      </p:ext>
+    </p:extLst>
+  </p:cSld>
+  <p:clrMapOvr>
+    <a:masterClrMapping/>
+  </p:clrMapOvr>
+</p:sld>
+</file>
+
+<file path=ppt/slides/slide17.xml><?xml version="1.0" encoding="utf-8"?>
+<p:sld xmlns:a="http://schemas.openxmlformats.org/drawingml/2006/main" xmlns:r="http://schemas.openxmlformats.org/officeDocument/2006/relationships" xmlns:p="http://schemas.openxmlformats.org/presentationml/2006/main">
+  <p:cSld>
+    <p:spTree>
+      <p:nvGrpSpPr>
+        <p:cNvPr id="1" name=""/>
+        <p:cNvGrpSpPr/>
+        <p:nvPr/>
+      </p:nvGrpSpPr>
+      <p:grpSpPr>
+        <a:xfrm>
+          <a:off x="0" y="0"/>
+          <a:ext cx="0" cy="0"/>
+          <a:chOff x="0" y="0"/>
+          <a:chExt cx="0" cy="0"/>
+        </a:xfrm>
+      </p:grpSpPr>
+      <p:sp>
+        <p:nvSpPr>
+          <p:cNvPr id="2" name="Titel 1"/>
+          <p:cNvSpPr>
+            <a:spLocks noGrp="1"/>
+          </p:cNvSpPr>
+          <p:nvPr>
+            <p:ph type="title"/>
+          </p:nvPr>
+        </p:nvSpPr>
+        <p:spPr/>
+        <p:txBody>
+          <a:bodyPr/>
+          <a:lstStyle/>
+          <a:p>
+            <a:r>
+              <a:rPr lang="de-DE" dirty="0" smtClean="0"/>
+              <a:t>Resümee</a:t>
+            </a:r>
+            <a:endParaRPr lang="de-DE" dirty="0"/>
+          </a:p>
+        </p:txBody>
+      </p:sp>
+      <p:sp>
+        <p:nvSpPr>
+          <p:cNvPr id="3" name="Inhaltsplatzhalter 2"/>
+          <p:cNvSpPr>
+            <a:spLocks noGrp="1"/>
+          </p:cNvSpPr>
+          <p:nvPr>
+            <p:ph idx="1"/>
+          </p:nvPr>
+        </p:nvSpPr>
+        <p:spPr/>
+        <p:txBody>
+          <a:bodyPr/>
+          <a:lstStyle/>
+          <a:p>
+            <a:endParaRPr lang="de-DE"/>
+          </a:p>
+        </p:txBody>
+      </p:sp>
+      <p:sp>
+        <p:nvSpPr>
+          <p:cNvPr id="4" name="Datumsplatzhalter 3"/>
+          <p:cNvSpPr>
+            <a:spLocks noGrp="1"/>
+          </p:cNvSpPr>
+          <p:nvPr>
+            <p:ph type="dt" sz="half" idx="10"/>
+          </p:nvPr>
+        </p:nvSpPr>
+        <p:spPr/>
+        <p:txBody>
+          <a:bodyPr/>
+          <a:lstStyle/>
+          <a:p>
+            <a:fld id="{6DB845E5-DACF-426C-8A10-A6438D29DD66}" type="datetime1">
+              <a:rPr lang="de-DE" smtClean="0"/>
+              <a:pPr/>
+              <a:t>19.02.2018</a:t>
+            </a:fld>
+            <a:endParaRPr lang="de-DE"/>
+          </a:p>
+        </p:txBody>
+      </p:sp>
+      <p:sp>
+        <p:nvSpPr>
+          <p:cNvPr id="5" name="Fußzeilenplatzhalter 4"/>
+          <p:cNvSpPr>
+            <a:spLocks noGrp="1"/>
+          </p:cNvSpPr>
+          <p:nvPr>
+            <p:ph type="ftr" sz="quarter" idx="11"/>
+          </p:nvPr>
+        </p:nvSpPr>
+        <p:spPr/>
+        <p:txBody>
+          <a:bodyPr/>
+          <a:lstStyle/>
+          <a:p>
+            <a:r>
+              <a:rPr lang="de-DE" smtClean="0"/>
+              <a:t>Structural Equation Modelling – Wintersemester 2017/2018</a:t>
+            </a:r>
+            <a:endParaRPr lang="de-DE" dirty="0"/>
+          </a:p>
+        </p:txBody>
+      </p:sp>
+      <p:sp>
+        <p:nvSpPr>
+          <p:cNvPr id="6" name="Foliennummernplatzhalter 5"/>
+          <p:cNvSpPr>
+            <a:spLocks noGrp="1"/>
+          </p:cNvSpPr>
+          <p:nvPr>
+            <p:ph type="sldNum" sz="quarter" idx="12"/>
+          </p:nvPr>
+        </p:nvSpPr>
+        <p:spPr/>
+        <p:txBody>
+          <a:bodyPr/>
+          <a:lstStyle/>
+          <a:p>
+            <a:fld id="{015363AA-F6CB-4A58-B5AD-B2CDFEAF0813}" type="slidenum">
+              <a:rPr lang="de-DE" smtClean="0"/>
+              <a:pPr/>
+              <a:t>17</a:t>
+            </a:fld>
+            <a:endParaRPr lang="de-DE"/>
+          </a:p>
+        </p:txBody>
+      </p:sp>
+    </p:spTree>
+    <p:extLst>
+      <p:ext uri="{BB962C8B-B14F-4D97-AF65-F5344CB8AC3E}">
+        <p14:creationId xmlns:p14="http://schemas.microsoft.com/office/powerpoint/2010/main" val="4128046881"/>
+      </p:ext>
+    </p:extLst>
+  </p:cSld>
+  <p:clrMapOvr>
+    <a:masterClrMapping/>
+  </p:clrMapOvr>
+</p:sld>
+</file>
+
+<file path=ppt/slides/slide18.xml><?xml version="1.0" encoding="utf-8"?>
+<p:sld xmlns:a="http://schemas.openxmlformats.org/drawingml/2006/main" xmlns:r="http://schemas.openxmlformats.org/officeDocument/2006/relationships" xmlns:p="http://schemas.openxmlformats.org/presentationml/2006/main">
+  <p:cSld>
+    <p:spTree>
+      <p:nvGrpSpPr>
+        <p:cNvPr id="1" name=""/>
+        <p:cNvGrpSpPr/>
+        <p:nvPr/>
+      </p:nvGrpSpPr>
+      <p:grpSpPr>
+        <a:xfrm>
+          <a:off x="0" y="0"/>
+          <a:ext cx="0" cy="0"/>
+          <a:chOff x="0" y="0"/>
+          <a:chExt cx="0" cy="0"/>
+        </a:xfrm>
+      </p:grpSpPr>
+      <p:sp>
+        <p:nvSpPr>
+          <p:cNvPr id="2" name="Titel 1"/>
+          <p:cNvSpPr>
+            <a:spLocks noGrp="1"/>
+          </p:cNvSpPr>
+          <p:nvPr>
+            <p:ph type="title"/>
+          </p:nvPr>
+        </p:nvSpPr>
+        <p:spPr/>
+        <p:txBody>
+          <a:bodyPr/>
+          <a:lstStyle/>
+          <a:p>
+            <a:r>
+              <a:rPr lang="de-DE" dirty="0" smtClean="0"/>
+              <a:t>Literatur</a:t>
+            </a:r>
+            <a:endParaRPr lang="de-DE" dirty="0"/>
+          </a:p>
+        </p:txBody>
+      </p:sp>
+      <p:sp>
+        <p:nvSpPr>
+          <p:cNvPr id="3" name="Inhaltsplatzhalter 2"/>
+          <p:cNvSpPr>
+            <a:spLocks noGrp="1"/>
+          </p:cNvSpPr>
+          <p:nvPr>
+            <p:ph idx="1"/>
+          </p:nvPr>
+        </p:nvSpPr>
+        <p:spPr/>
+        <p:txBody>
+          <a:bodyPr/>
+          <a:lstStyle/>
+          <a:p>
+            <a:r>
+              <a:rPr lang="de-DE" dirty="0" smtClean="0"/>
+              <a:t>Kline, Rex: </a:t>
+            </a:r>
+            <a:br>
+              <a:rPr lang="de-DE" dirty="0" smtClean="0"/>
+            </a:br>
+            <a:r>
+              <a:rPr lang="de-DE" sz="1400" dirty="0" err="1" smtClean="0">
+                <a:solidFill>
+                  <a:schemeClr val="tx1">
+                    <a:lumMod val="75000"/>
+                    <a:lumOff val="25000"/>
+                  </a:schemeClr>
+                </a:solidFill>
+              </a:rPr>
+              <a:t>Pinciples</a:t>
+            </a:r>
+            <a:r>
+              <a:rPr lang="de-DE" sz="1400" dirty="0" smtClean="0">
+                <a:solidFill>
+                  <a:schemeClr val="tx1">
+                    <a:lumMod val="75000"/>
+                    <a:lumOff val="25000"/>
+                  </a:schemeClr>
+                </a:solidFill>
+              </a:rPr>
+              <a:t> </a:t>
+            </a:r>
+            <a:r>
+              <a:rPr lang="de-DE" sz="1400" dirty="0" err="1" smtClean="0">
+                <a:solidFill>
+                  <a:schemeClr val="tx1">
+                    <a:lumMod val="75000"/>
+                    <a:lumOff val="25000"/>
+                  </a:schemeClr>
+                </a:solidFill>
+              </a:rPr>
+              <a:t>and</a:t>
+            </a:r>
+            <a:r>
+              <a:rPr lang="de-DE" sz="1400" dirty="0" smtClean="0">
+                <a:solidFill>
+                  <a:schemeClr val="tx1">
+                    <a:lumMod val="75000"/>
+                    <a:lumOff val="25000"/>
+                  </a:schemeClr>
+                </a:solidFill>
+              </a:rPr>
+              <a:t> Practice </a:t>
+            </a:r>
+            <a:r>
+              <a:rPr lang="de-DE" sz="1400" dirty="0" err="1" smtClean="0">
+                <a:solidFill>
+                  <a:schemeClr val="tx1">
+                    <a:lumMod val="75000"/>
+                    <a:lumOff val="25000"/>
+                  </a:schemeClr>
+                </a:solidFill>
+              </a:rPr>
+              <a:t>of</a:t>
+            </a:r>
+            <a:r>
+              <a:rPr lang="de-DE" sz="1400" dirty="0" smtClean="0">
+                <a:solidFill>
+                  <a:schemeClr val="tx1">
+                    <a:lumMod val="75000"/>
+                    <a:lumOff val="25000"/>
+                  </a:schemeClr>
+                </a:solidFill>
+              </a:rPr>
+              <a:t> </a:t>
+            </a:r>
+            <a:r>
+              <a:rPr lang="de-DE" sz="1400" dirty="0" err="1" smtClean="0">
+                <a:solidFill>
+                  <a:schemeClr val="tx1">
+                    <a:lumMod val="75000"/>
+                    <a:lumOff val="25000"/>
+                  </a:schemeClr>
+                </a:solidFill>
+              </a:rPr>
+              <a:t>Structural</a:t>
+            </a:r>
+            <a:r>
+              <a:rPr lang="de-DE" sz="1400" dirty="0" smtClean="0">
+                <a:solidFill>
+                  <a:schemeClr val="tx1">
+                    <a:lumMod val="75000"/>
+                    <a:lumOff val="25000"/>
+                  </a:schemeClr>
+                </a:solidFill>
+              </a:rPr>
+              <a:t> </a:t>
+            </a:r>
+            <a:r>
+              <a:rPr lang="de-DE" sz="1400" dirty="0" err="1" smtClean="0">
+                <a:solidFill>
+                  <a:schemeClr val="tx1">
+                    <a:lumMod val="75000"/>
+                    <a:lumOff val="25000"/>
+                  </a:schemeClr>
+                </a:solidFill>
+              </a:rPr>
+              <a:t>Equation</a:t>
+            </a:r>
+            <a:r>
+              <a:rPr lang="de-DE" sz="1400" dirty="0" smtClean="0">
+                <a:solidFill>
+                  <a:schemeClr val="tx1">
+                    <a:lumMod val="75000"/>
+                    <a:lumOff val="25000"/>
+                  </a:schemeClr>
+                </a:solidFill>
+              </a:rPr>
+              <a:t> Modeling</a:t>
+            </a:r>
+            <a:br>
+              <a:rPr lang="de-DE" sz="1400" dirty="0" smtClean="0">
+                <a:solidFill>
+                  <a:schemeClr val="tx1">
+                    <a:lumMod val="75000"/>
+                    <a:lumOff val="25000"/>
+                  </a:schemeClr>
+                </a:solidFill>
+              </a:rPr>
+            </a:br>
+            <a:r>
+              <a:rPr lang="de-DE" sz="1400" dirty="0" err="1" smtClean="0">
+                <a:solidFill>
+                  <a:schemeClr val="tx1">
+                    <a:lumMod val="75000"/>
+                    <a:lumOff val="25000"/>
+                  </a:schemeClr>
+                </a:solidFill>
+              </a:rPr>
+              <a:t>Fourth</a:t>
+            </a:r>
+            <a:r>
+              <a:rPr lang="de-DE" sz="1400" dirty="0" smtClean="0">
+                <a:solidFill>
+                  <a:schemeClr val="tx1">
+                    <a:lumMod val="75000"/>
+                    <a:lumOff val="25000"/>
+                  </a:schemeClr>
+                </a:solidFill>
+              </a:rPr>
+              <a:t> Edition, 2015</a:t>
+            </a:r>
+            <a:endParaRPr lang="de-DE" sz="1400" dirty="0">
+              <a:solidFill>
+                <a:schemeClr val="tx1">
+                  <a:lumMod val="75000"/>
+                  <a:lumOff val="25000"/>
+                </a:schemeClr>
+              </a:solidFill>
+            </a:endParaRPr>
+          </a:p>
+        </p:txBody>
+      </p:sp>
+      <p:sp>
+        <p:nvSpPr>
+          <p:cNvPr id="4" name="Datumsplatzhalter 3"/>
+          <p:cNvSpPr>
+            <a:spLocks noGrp="1"/>
+          </p:cNvSpPr>
+          <p:nvPr>
+            <p:ph type="dt" sz="half" idx="10"/>
+          </p:nvPr>
+        </p:nvSpPr>
+        <p:spPr/>
+        <p:txBody>
+          <a:bodyPr/>
+          <a:lstStyle/>
+          <a:p>
+            <a:fld id="{6DB845E5-DACF-426C-8A10-A6438D29DD66}" type="datetime1">
+              <a:rPr lang="de-DE" smtClean="0"/>
+              <a:pPr/>
+              <a:t>19.02.2018</a:t>
+            </a:fld>
+            <a:endParaRPr lang="de-DE"/>
+          </a:p>
+        </p:txBody>
+      </p:sp>
+      <p:sp>
+        <p:nvSpPr>
+          <p:cNvPr id="5" name="Fußzeilenplatzhalter 4"/>
+          <p:cNvSpPr>
+            <a:spLocks noGrp="1"/>
+          </p:cNvSpPr>
+          <p:nvPr>
+            <p:ph type="ftr" sz="quarter" idx="11"/>
+          </p:nvPr>
+        </p:nvSpPr>
+        <p:spPr/>
+        <p:txBody>
+          <a:bodyPr/>
+          <a:lstStyle/>
+          <a:p>
+            <a:r>
+              <a:rPr lang="de-DE" smtClean="0"/>
+              <a:t>Structural Equation Modelling – Wintersemester 2017/2018</a:t>
+            </a:r>
+            <a:endParaRPr lang="de-DE" dirty="0"/>
+          </a:p>
+        </p:txBody>
+      </p:sp>
+      <p:sp>
+        <p:nvSpPr>
+          <p:cNvPr id="6" name="Foliennummernplatzhalter 5"/>
+          <p:cNvSpPr>
+            <a:spLocks noGrp="1"/>
+          </p:cNvSpPr>
+          <p:nvPr>
+            <p:ph type="sldNum" sz="quarter" idx="12"/>
+          </p:nvPr>
+        </p:nvSpPr>
+        <p:spPr/>
+        <p:txBody>
+          <a:bodyPr/>
+          <a:lstStyle/>
+          <a:p>
+            <a:fld id="{015363AA-F6CB-4A58-B5AD-B2CDFEAF0813}" type="slidenum">
+              <a:rPr lang="de-DE" smtClean="0"/>
+              <a:pPr/>
+              <a:t>18</a:t>
+            </a:fld>
+            <a:endParaRPr lang="de-DE"/>
+          </a:p>
+        </p:txBody>
+      </p:sp>
+    </p:spTree>
+    <p:extLst>
+      <p:ext uri="{BB962C8B-B14F-4D97-AF65-F5344CB8AC3E}">
+        <p14:creationId xmlns:p14="http://schemas.microsoft.com/office/powerpoint/2010/main" val="3899092122"/>
+      </p:ext>
+    </p:extLst>
+  </p:cSld>
+  <p:clrMapOvr>
+    <a:masterClrMapping/>
+  </p:clrMapOvr>
+</p:sld>
+</file>
+
+<file path=ppt/slides/slide19.xml><?xml version="1.0" encoding="utf-8"?>
+<p:sld xmlns:a="http://schemas.openxmlformats.org/drawingml/2006/main" xmlns:r="http://schemas.openxmlformats.org/officeDocument/2006/relationships" xmlns:p="http://schemas.openxmlformats.org/presentationml/2006/main">
+  <p:cSld>
+    <p:spTree>
+      <p:nvGrpSpPr>
+        <p:cNvPr id="1" name=""/>
+        <p:cNvGrpSpPr/>
+        <p:nvPr/>
+      </p:nvGrpSpPr>
+      <p:grpSpPr>
+        <a:xfrm>
+          <a:off x="0" y="0"/>
+          <a:ext cx="0" cy="0"/>
+          <a:chOff x="0" y="0"/>
+          <a:chExt cx="0" cy="0"/>
+        </a:xfrm>
+      </p:grpSpPr>
+      <p:sp>
+        <p:nvSpPr>
+          <p:cNvPr id="2" name="Titel 1"/>
+          <p:cNvSpPr>
+            <a:spLocks noGrp="1"/>
+          </p:cNvSpPr>
+          <p:nvPr>
+            <p:ph type="title"/>
+          </p:nvPr>
+        </p:nvSpPr>
+        <p:spPr/>
+        <p:txBody>
+          <a:bodyPr/>
+          <a:lstStyle/>
+          <a:p>
+            <a:r>
+              <a:rPr lang="de-DE" dirty="0" smtClean="0"/>
+              <a:t>Vielen Dank für Ihre Aufmerksamkeit.</a:t>
+            </a:r>
+            <a:endParaRPr lang="de-DE" dirty="0"/>
+          </a:p>
+        </p:txBody>
+      </p:sp>
+      <p:sp>
+        <p:nvSpPr>
+          <p:cNvPr id="3" name="Datumsplatzhalter 2"/>
+          <p:cNvSpPr>
+            <a:spLocks noGrp="1"/>
+          </p:cNvSpPr>
+          <p:nvPr>
+            <p:ph type="dt" sz="half" idx="10"/>
+          </p:nvPr>
+        </p:nvSpPr>
+        <p:spPr/>
+        <p:txBody>
+          <a:bodyPr/>
+          <a:lstStyle/>
+          <a:p>
+            <a:fld id="{19A0FC43-5E73-44C2-BFDB-9FAD1E8FED0E}" type="datetime1">
+              <a:rPr lang="de-DE" smtClean="0"/>
+              <a:pPr/>
+              <a:t>19.02.2018</a:t>
+            </a:fld>
+            <a:endParaRPr lang="de-DE"/>
+          </a:p>
+        </p:txBody>
+      </p:sp>
+      <p:sp>
+        <p:nvSpPr>
+          <p:cNvPr id="4" name="Fußzeilenplatzhalter 3"/>
+          <p:cNvSpPr>
+            <a:spLocks noGrp="1"/>
+          </p:cNvSpPr>
+          <p:nvPr>
+            <p:ph type="ftr" sz="quarter" idx="11"/>
+          </p:nvPr>
+        </p:nvSpPr>
+        <p:spPr/>
+        <p:txBody>
+          <a:bodyPr/>
+          <a:lstStyle/>
+          <a:p>
+            <a:r>
+              <a:rPr lang="de-DE" smtClean="0"/>
+              <a:t>Structural Equation Modelling – Wintersemester 2017/2018</a:t>
+            </a:r>
+            <a:endParaRPr lang="de-DE" dirty="0"/>
+          </a:p>
+        </p:txBody>
+      </p:sp>
+      <p:sp>
+        <p:nvSpPr>
+          <p:cNvPr id="5" name="Foliennummernplatzhalter 4"/>
+          <p:cNvSpPr>
+            <a:spLocks noGrp="1"/>
+          </p:cNvSpPr>
+          <p:nvPr>
+            <p:ph type="sldNum" sz="quarter" idx="12"/>
+          </p:nvPr>
+        </p:nvSpPr>
+        <p:spPr/>
+        <p:txBody>
+          <a:bodyPr/>
+          <a:lstStyle/>
+          <a:p>
+            <a:fld id="{015363AA-F6CB-4A58-B5AD-B2CDFEAF0813}" type="slidenum">
+              <a:rPr lang="de-DE" smtClean="0"/>
+              <a:pPr/>
+              <a:t>19</a:t>
+            </a:fld>
+            <a:endParaRPr lang="de-DE"/>
+          </a:p>
+        </p:txBody>
+      </p:sp>
+      <p:sp>
+        <p:nvSpPr>
+          <p:cNvPr id="6" name="Textplatzhalter 5"/>
+          <p:cNvSpPr>
+            <a:spLocks noGrp="1"/>
+          </p:cNvSpPr>
+          <p:nvPr>
+            <p:ph type="body" sz="quarter" idx="13"/>
+          </p:nvPr>
+        </p:nvSpPr>
+        <p:spPr/>
+        <p:txBody>
+          <a:bodyPr/>
+          <a:lstStyle/>
+          <a:p>
+            <a:r>
+              <a:rPr lang="de-DE" dirty="0" smtClean="0"/>
+              <a:t>Fragen?</a:t>
+            </a:r>
+            <a:endParaRPr lang="de-DE" dirty="0"/>
+          </a:p>
+        </p:txBody>
+      </p:sp>
+    </p:spTree>
+    <p:extLst>
+      <p:ext uri="{BB962C8B-B14F-4D97-AF65-F5344CB8AC3E}">
+        <p14:creationId xmlns:p14="http://schemas.microsoft.com/office/powerpoint/2010/main" val="121839908"/>
+      </p:ext>
+    </p:extLst>
+  </p:cSld>
+  <p:clrMapOvr>
+    <a:masterClrMapping/>
+  </p:clrMapOvr>
 </p:sld>
 </file>
 
@@ -7395,7 +9745,7 @@
             </a:pPr>
             <a:r>
               <a:rPr lang="de-DE" dirty="0" smtClean="0"/>
-              <a:t>Weitere Ansätze</a:t>
+              <a:t>Ansätze zur Parameterbestimmung</a:t>
             </a:r>
           </a:p>
           <a:p>
@@ -7429,7 +9779,6 @@
               <a:rPr lang="de-DE" dirty="0" smtClean="0"/>
               <a:t>Resümee</a:t>
             </a:r>
-            <a:endParaRPr lang="de-DE" dirty="0" smtClean="0"/>
           </a:p>
         </p:txBody>
       </p:sp>
@@ -7451,7 +9800,7 @@
             <a:fld id="{6DB845E5-DACF-426C-8A10-A6438D29DD66}" type="datetime1">
               <a:rPr lang="de-DE" smtClean="0"/>
               <a:pPr/>
-              <a:t>17.02.2018</a:t>
+              <a:t>19.02.2018</a:t>
             </a:fld>
             <a:endParaRPr lang="de-DE"/>
           </a:p>
@@ -7496,7 +9845,6 @@
               <a:rPr lang="de-DE" dirty="0"/>
               <a:t> – Wintersemester 2017/2018</a:t>
             </a:r>
-            <a:endParaRPr lang="de-DE" dirty="0"/>
           </a:p>
         </p:txBody>
       </p:sp>
@@ -7601,9 +9949,16 @@
             <p:ph idx="1"/>
           </p:nvPr>
         </p:nvSpPr>
-        <p:spPr/>
-        <p:txBody>
-          <a:bodyPr/>
+        <p:spPr>
+          <a:xfrm>
+            <a:off x="323529" y="987574"/>
+            <a:ext cx="8496943" cy="3744416"/>
+          </a:xfrm>
+        </p:spPr>
+        <p:txBody>
+          <a:bodyPr>
+            <a:normAutofit/>
+          </a:bodyPr>
           <a:lstStyle/>
           <a:p>
             <a:r>
@@ -7639,23 +9994,46 @@
             <a:pPr lvl="1"/>
             <a:r>
               <a:rPr lang="de-DE" dirty="0" smtClean="0"/>
-              <a:t>Schätzung anhand der Varianz-Kovarianz-Matrix</a:t>
+              <a:t>Parameterschätzung anhand der Varianz-Kovarianz-Matrix</a:t>
             </a:r>
           </a:p>
           <a:p>
             <a:pPr lvl="1"/>
             <a:r>
               <a:rPr lang="de-DE" dirty="0" smtClean="0"/>
-              <a:t>Skalierung der Werte</a:t>
-            </a:r>
-          </a:p>
-          <a:p>
+              <a:t>Kovarianzen enthalten keine Informationen über </a:t>
+            </a:r>
+            <a:r>
+              <a:rPr lang="de-DE" dirty="0" err="1" smtClean="0"/>
+              <a:t>Means</a:t>
+            </a:r>
+            <a:r>
+              <a:rPr lang="de-DE" dirty="0" smtClean="0"/>
+              <a:t> (Kline, 2015)</a:t>
+            </a:r>
+          </a:p>
+          <a:p>
+            <a:pPr lvl="1"/>
+            <a:r>
+              <a:rPr lang="de-DE" dirty="0" smtClean="0"/>
+              <a:t>Variablen sind gemittelt, haben also einen </a:t>
+            </a:r>
             <a:r>
               <a:rPr lang="de-DE" dirty="0" err="1" smtClean="0"/>
               <a:t>Mean</a:t>
             </a:r>
             <a:r>
               <a:rPr lang="de-DE" dirty="0" smtClean="0"/>
+              <a:t> von 0</a:t>
+            </a:r>
+          </a:p>
+          <a:p>
+            <a:r>
+              <a:rPr lang="de-DE" dirty="0" err="1" smtClean="0"/>
+              <a:t>Mean</a:t>
+            </a:r>
+            <a:r>
+              <a:rPr lang="de-DE" dirty="0" smtClean="0"/>
               <a:t> </a:t>
             </a:r>
             <a:r>
@@ -7664,14 +10042,106 @@
             </a:r>
             <a:r>
               <a:rPr lang="de-DE" dirty="0" smtClean="0"/>
-              <a:t> können signifikante Bedeutungen haben</a:t>
-            </a:r>
-          </a:p>
-          <a:p>
-            <a:r>
-              <a:rPr lang="de-DE" dirty="0" smtClean="0"/>
-              <a:t>Laden über Konstanten (mit Wert 1) auf endogene und exogene Variablen</a:t>
-            </a:r>
+              <a:t> können signifikante Bedeutungen bei der Interpretation eines Strukturgleichungsmodells haben</a:t>
+            </a:r>
+          </a:p>
+          <a:p>
+            <a:r>
+              <a:rPr lang="de-DE" dirty="0"/>
+              <a:t>Modellanpassung </a:t>
+            </a:r>
+            <a:r>
+              <a:rPr lang="de-DE" dirty="0" smtClean="0"/>
+              <a:t>inklusive </a:t>
+            </a:r>
+            <a:r>
+              <a:rPr lang="de-DE" dirty="0" err="1"/>
+              <a:t>Mean</a:t>
+            </a:r>
+            <a:r>
+              <a:rPr lang="de-DE" dirty="0"/>
+              <a:t> </a:t>
+            </a:r>
+            <a:r>
+              <a:rPr lang="de-DE" dirty="0" err="1" smtClean="0"/>
+              <a:t>Structure</a:t>
+            </a:r>
+            <a:r>
+              <a:rPr lang="de-DE" dirty="0" smtClean="0"/>
+              <a:t> </a:t>
+            </a:r>
+            <a:r>
+              <a:rPr lang="de-DE" dirty="0"/>
+              <a:t>durch:</a:t>
+            </a:r>
+          </a:p>
+          <a:p>
+            <a:pPr lvl="1"/>
+            <a:r>
+              <a:rPr lang="de-DE" dirty="0"/>
+              <a:t>Rohdaten (enthalten standardmäßig </a:t>
+            </a:r>
+            <a:r>
+              <a:rPr lang="de-DE" dirty="0" err="1"/>
+              <a:t>Means</a:t>
+            </a:r>
+            <a:r>
+              <a:rPr lang="de-DE" dirty="0" smtClean="0"/>
+              <a:t>), aber Konfiguration notwendig</a:t>
+            </a:r>
+            <a:endParaRPr lang="de-DE" dirty="0"/>
+          </a:p>
+          <a:p>
+            <a:pPr lvl="1"/>
+            <a:r>
+              <a:rPr lang="de-DE" dirty="0"/>
+              <a:t>Varianz-Kovarianz-Matrix und </a:t>
+            </a:r>
+            <a:r>
+              <a:rPr lang="de-DE" dirty="0" smtClean="0"/>
+              <a:t>Angabe der </a:t>
+            </a:r>
+            <a:r>
+              <a:rPr lang="de-DE" dirty="0" err="1" smtClean="0"/>
+              <a:t>Means</a:t>
+            </a:r>
+            <a:endParaRPr lang="de-DE" dirty="0" smtClean="0"/>
+          </a:p>
+          <a:p>
+            <a:r>
+              <a:rPr lang="de-DE" dirty="0" err="1" smtClean="0"/>
+              <a:t>Means</a:t>
+            </a:r>
+            <a:r>
+              <a:rPr lang="de-DE" dirty="0" smtClean="0"/>
+              <a:t> </a:t>
+            </a:r>
+            <a:r>
+              <a:rPr lang="de-DE" dirty="0"/>
+              <a:t>l</a:t>
+            </a:r>
+            <a:r>
+              <a:rPr lang="de-DE" dirty="0" smtClean="0"/>
+              <a:t>aden über Konstanten auf exogene Variablen</a:t>
+            </a:r>
+          </a:p>
+          <a:p>
+            <a:r>
+              <a:rPr lang="de-DE" dirty="0" smtClean="0"/>
+              <a:t>Bei endogenen Variablen ist der direkte Effekt der Konstante ein </a:t>
+            </a:r>
+            <a:r>
+              <a:rPr lang="de-DE" dirty="0" err="1" smtClean="0"/>
+              <a:t>Intercept</a:t>
+            </a:r>
+            <a:r>
+              <a:rPr lang="de-DE" dirty="0" smtClean="0"/>
+              <a:t> </a:t>
+            </a:r>
+            <a:br>
+              <a:rPr lang="de-DE" dirty="0" smtClean="0"/>
+            </a:br>
+            <a:endParaRPr lang="de-DE" dirty="0" smtClean="0"/>
           </a:p>
         </p:txBody>
       </p:sp>
@@ -7693,7 +10163,7 @@
             <a:fld id="{6DB845E5-DACF-426C-8A10-A6438D29DD66}" type="datetime1">
               <a:rPr lang="de-DE" smtClean="0"/>
               <a:pPr/>
-              <a:t>17.02.2018</a:t>
+              <a:t>19.02.2018</a:t>
             </a:fld>
             <a:endParaRPr lang="de-DE"/>
           </a:p>
@@ -7749,7 +10219,7 @@
     </p:spTree>
     <p:extLst>
       <p:ext uri="{BB962C8B-B14F-4D97-AF65-F5344CB8AC3E}">
-        <p14:creationId xmlns:p14="http://schemas.microsoft.com/office/powerpoint/2010/main" val="4210244913"/>
+        <p14:creationId xmlns:p14="http://schemas.microsoft.com/office/powerpoint/2010/main" val="1527320158"/>
       </p:ext>
     </p:extLst>
   </p:cSld>
@@ -7795,6 +10265,46 @@
         </p:nvSpPr>
         <p:spPr/>
         <p:txBody>
+          <a:bodyPr/>
+          <a:lstStyle/>
+          <a:p>
+            <a:r>
+              <a:rPr lang="de-DE" dirty="0" smtClean="0"/>
+              <a:t>Grundlagen – </a:t>
+            </a:r>
+            <a:r>
+              <a:rPr lang="de-DE" dirty="0" err="1" smtClean="0"/>
+              <a:t>Mean</a:t>
+            </a:r>
+            <a:r>
+              <a:rPr lang="de-DE" dirty="0" smtClean="0"/>
+              <a:t> </a:t>
+            </a:r>
+            <a:r>
+              <a:rPr lang="de-DE" dirty="0" err="1" smtClean="0"/>
+              <a:t>Structures</a:t>
+            </a:r>
+            <a:endParaRPr lang="de-DE" dirty="0"/>
+          </a:p>
+        </p:txBody>
+      </p:sp>
+      <p:sp>
+        <p:nvSpPr>
+          <p:cNvPr id="3" name="Inhaltsplatzhalter 2"/>
+          <p:cNvSpPr>
+            <a:spLocks noGrp="1"/>
+          </p:cNvSpPr>
+          <p:nvPr>
+            <p:ph idx="1"/>
+          </p:nvPr>
+        </p:nvSpPr>
+        <p:spPr>
+          <a:xfrm>
+            <a:off x="323529" y="987574"/>
+            <a:ext cx="4608511" cy="3744416"/>
+          </a:xfrm>
+        </p:spPr>
+        <p:txBody>
           <a:bodyPr>
             <a:normAutofit/>
           </a:bodyPr>
@@ -7802,93 +10312,131 @@
           <a:p>
             <a:r>
               <a:rPr lang="de-DE" dirty="0" smtClean="0"/>
-              <a:t>Grundlagen</a:t>
-            </a:r>
-            <a:r>
-              <a:rPr lang="de-DE" dirty="0"/>
-              <a:t> </a:t>
-            </a:r>
-            <a:r>
-              <a:rPr lang="de-DE" dirty="0" smtClean="0"/>
-              <a:t>- Wachstumsmodelle</a:t>
-            </a:r>
-            <a:endParaRPr lang="de-DE" dirty="0"/>
-          </a:p>
-        </p:txBody>
-      </p:sp>
-      <p:sp>
-        <p:nvSpPr>
-          <p:cNvPr id="3" name="Inhaltsplatzhalter 2"/>
-          <p:cNvSpPr>
-            <a:spLocks noGrp="1"/>
-          </p:cNvSpPr>
-          <p:nvPr>
-            <p:ph idx="1"/>
-          </p:nvPr>
-        </p:nvSpPr>
-        <p:spPr/>
-        <p:txBody>
-          <a:bodyPr>
-            <a:normAutofit/>
-          </a:bodyPr>
-          <a:lstStyle/>
-          <a:p>
-            <a:r>
-              <a:rPr lang="de-DE" dirty="0" smtClean="0"/>
-              <a:t>Wachstumsmodelle in der Natur weit verbreitet → beobachtbar</a:t>
-            </a:r>
-          </a:p>
-          <a:p>
-            <a:pPr lvl="1"/>
-            <a:r>
-              <a:rPr lang="de-DE" dirty="0" smtClean="0"/>
-              <a:t>Körperwachstum</a:t>
-            </a:r>
-          </a:p>
-          <a:p>
-            <a:pPr lvl="1"/>
-            <a:r>
-              <a:rPr lang="de-DE" dirty="0" smtClean="0"/>
-              <a:t>Bakterienwachstum</a:t>
-            </a:r>
-          </a:p>
-          <a:p>
-            <a:pPr lvl="1"/>
-            <a:r>
-              <a:rPr lang="de-DE" dirty="0" smtClean="0"/>
-              <a:t>etc.</a:t>
-            </a:r>
-          </a:p>
-          <a:p>
-            <a:r>
-              <a:rPr lang="de-DE" dirty="0" smtClean="0"/>
-              <a:t>Wachstumsmodelle in SEM sowohl mit latenten als auch mit beobachtbaren Variablen möglich</a:t>
-            </a:r>
-          </a:p>
-          <a:p>
-            <a:r>
-              <a:rPr lang="de-DE" dirty="0" smtClean="0"/>
-              <a:t>Stark verbreitetes Strukturgleichungsmodell mit einer </a:t>
+              <a:t>Beispiel einer </a:t>
             </a:r>
             <a:r>
               <a:rPr lang="de-DE" dirty="0" err="1" smtClean="0"/>
               <a:t>Mean</a:t>
             </a:r>
             <a:r>
-              <a:rPr lang="de-DE" dirty="0"/>
+              <a:rPr lang="de-DE" dirty="0" smtClean="0"/>
               <a:t> </a:t>
             </a:r>
             <a:r>
               <a:rPr lang="de-DE" dirty="0" err="1" smtClean="0"/>
               <a:t>Structure</a:t>
             </a:r>
-            <a:endParaRPr lang="de-DE" dirty="0" smtClean="0"/>
-          </a:p>
-          <a:p>
-            <a:r>
-              <a:rPr lang="de-DE" dirty="0" smtClean="0"/>
-              <a:t>Längsschnitt-Analysetechnik zur Vorhersage von Wachstum über Zeit</a:t>
-            </a:r>
+            <a:r>
+              <a:rPr lang="de-DE" dirty="0" smtClean="0"/>
+              <a:t> aus Kline, 2015</a:t>
+            </a:r>
+          </a:p>
+          <a:p>
+            <a:r>
+              <a:rPr lang="de-DE" dirty="0" err="1" smtClean="0"/>
+              <a:t>Bivariater</a:t>
+            </a:r>
+            <a:r>
+              <a:rPr lang="de-DE" dirty="0" smtClean="0"/>
+              <a:t> Datensatz mit X und Y Variablen</a:t>
+            </a:r>
+          </a:p>
+          <a:p>
+            <a:r>
+              <a:rPr lang="de-DE" dirty="0" smtClean="0"/>
+              <a:t>Berechnung der </a:t>
+            </a:r>
+            <a:r>
+              <a:rPr lang="de-DE" dirty="0" err="1" smtClean="0"/>
+              <a:t>Means</a:t>
+            </a:r>
+            <a:r>
+              <a:rPr lang="de-DE" dirty="0" smtClean="0"/>
+              <a:t>:</a:t>
+            </a:r>
+          </a:p>
+          <a:p>
+            <a:pPr lvl="1"/>
+            <a:r>
+              <a:rPr lang="de-DE" dirty="0" err="1" smtClean="0"/>
+              <a:t>Mean</a:t>
+            </a:r>
+            <a:r>
+              <a:rPr lang="de-DE" dirty="0" smtClean="0"/>
+              <a:t>(X) = 11.000</a:t>
+            </a:r>
+          </a:p>
+          <a:p>
+            <a:pPr lvl="1"/>
+            <a:r>
+              <a:rPr lang="de-DE" dirty="0" err="1" smtClean="0"/>
+              <a:t>Mean</a:t>
+            </a:r>
+            <a:r>
+              <a:rPr lang="de-DE" dirty="0" smtClean="0"/>
+              <a:t>(Y</a:t>
+            </a:r>
+            <a:r>
+              <a:rPr lang="de-DE" dirty="0"/>
+              <a:t>) = 20.000 + 0.455*</a:t>
+            </a:r>
+            <a:r>
+              <a:rPr lang="de-DE" dirty="0" err="1"/>
+              <a:t>Mean</a:t>
+            </a:r>
+            <a:r>
+              <a:rPr lang="de-DE" dirty="0"/>
+              <a:t>(X</a:t>
+            </a:r>
+            <a:r>
+              <a:rPr lang="de-DE" dirty="0" smtClean="0"/>
+              <a:t>)</a:t>
+            </a:r>
+          </a:p>
+          <a:p>
+            <a:r>
+              <a:rPr lang="de-DE" dirty="0" smtClean="0"/>
+              <a:t>Konstante </a:t>
+            </a:r>
+            <a:r>
+              <a:rPr lang="de-DE" dirty="0" err="1" smtClean="0"/>
+              <a:t>läd</a:t>
+            </a:r>
+            <a:r>
+              <a:rPr lang="de-DE" dirty="0" smtClean="0"/>
+              <a:t> mit </a:t>
+            </a:r>
+            <a:r>
+              <a:rPr lang="de-DE" dirty="0" err="1" smtClean="0"/>
+              <a:t>Mean</a:t>
+            </a:r>
+            <a:r>
+              <a:rPr lang="de-DE" dirty="0" smtClean="0"/>
+              <a:t> direkt auf exogene Variable X</a:t>
+            </a:r>
+          </a:p>
+          <a:p>
+            <a:r>
+              <a:rPr lang="de-DE" dirty="0" smtClean="0"/>
+              <a:t>Konstante </a:t>
+            </a:r>
+            <a:r>
+              <a:rPr lang="de-DE" dirty="0" err="1" smtClean="0"/>
+              <a:t>läd</a:t>
+            </a:r>
+            <a:r>
+              <a:rPr lang="de-DE" dirty="0" smtClean="0"/>
+              <a:t> mit </a:t>
+            </a:r>
+            <a:r>
+              <a:rPr lang="de-DE" dirty="0" err="1" smtClean="0"/>
+              <a:t>Intercept</a:t>
+            </a:r>
+            <a:r>
+              <a:rPr lang="de-DE" dirty="0" smtClean="0"/>
+              <a:t> auf endogene Variable Y</a:t>
+            </a:r>
+            <a:endParaRPr lang="de-DE" dirty="0"/>
           </a:p>
         </p:txBody>
       </p:sp>
@@ -7910,7 +10458,7 @@
             <a:fld id="{6DB845E5-DACF-426C-8A10-A6438D29DD66}" type="datetime1">
               <a:rPr lang="de-DE" smtClean="0"/>
               <a:pPr/>
-              <a:t>17.02.2018</a:t>
+              <a:t>19.02.2018</a:t>
             </a:fld>
             <a:endParaRPr lang="de-DE"/>
           </a:p>
@@ -7963,10 +10511,160 @@
           </a:p>
         </p:txBody>
       </p:sp>
+      <p:pic>
+        <p:nvPicPr>
+          <p:cNvPr id="7" name="Grafik 6" descr="Bildschirmausschnitt"/>
+          <p:cNvPicPr>
+            <a:picLocks noChangeAspect="1"/>
+          </p:cNvPicPr>
+          <p:nvPr/>
+        </p:nvPicPr>
+        <p:blipFill>
+          <a:blip r:embed="rId3" cstate="print">
+            <a:extLst>
+              <a:ext uri="{28A0092B-C50C-407E-A947-70E740481C1C}">
+                <a14:useLocalDpi xmlns:a14="http://schemas.microsoft.com/office/drawing/2010/main" val="0"/>
+              </a:ext>
+            </a:extLst>
+          </a:blip>
+          <a:stretch>
+            <a:fillRect/>
+          </a:stretch>
+        </p:blipFill>
+        <p:spPr>
+          <a:xfrm>
+            <a:off x="5364088" y="2976432"/>
+            <a:ext cx="3600400" cy="1596006"/>
+          </a:xfrm>
+          <a:prstGeom prst="rect">
+            <a:avLst/>
+          </a:prstGeom>
+          <a:ln>
+            <a:solidFill>
+              <a:schemeClr val="tx1"/>
+            </a:solidFill>
+          </a:ln>
+        </p:spPr>
+      </p:pic>
+      <p:sp>
+        <p:nvSpPr>
+          <p:cNvPr id="8" name="Textfeld 7"/>
+          <p:cNvSpPr txBox="1"/>
+          <p:nvPr/>
+        </p:nvSpPr>
+        <p:spPr>
+          <a:xfrm>
+            <a:off x="5868144" y="4557777"/>
+            <a:ext cx="2811988" cy="246221"/>
+          </a:xfrm>
+          <a:prstGeom prst="rect">
+            <a:avLst/>
+          </a:prstGeom>
+          <a:noFill/>
+        </p:spPr>
+        <p:txBody>
+          <a:bodyPr wrap="none" rtlCol="0">
+            <a:spAutoFit/>
+          </a:bodyPr>
+          <a:lstStyle/>
+          <a:p>
+            <a:r>
+              <a:rPr lang="de-DE" sz="1000" dirty="0" smtClean="0"/>
+              <a:t>Pfadmodell mit einer </a:t>
+            </a:r>
+            <a:r>
+              <a:rPr lang="de-DE" sz="1000" dirty="0" err="1" smtClean="0"/>
+              <a:t>Mean</a:t>
+            </a:r>
+            <a:r>
+              <a:rPr lang="de-DE" sz="1000" dirty="0" smtClean="0"/>
+              <a:t> </a:t>
+            </a:r>
+            <a:r>
+              <a:rPr lang="de-DE" sz="1000" dirty="0" err="1" smtClean="0"/>
+              <a:t>Structure</a:t>
+            </a:r>
+            <a:r>
+              <a:rPr lang="de-DE" sz="1000" dirty="0" smtClean="0"/>
+              <a:t> (Kline, 2015)</a:t>
+            </a:r>
+            <a:endParaRPr lang="de-DE" sz="1000" dirty="0"/>
+          </a:p>
+        </p:txBody>
+      </p:sp>
+      <p:pic>
+        <p:nvPicPr>
+          <p:cNvPr id="9" name="Grafik 8" descr="Bildschirmausschnitt"/>
+          <p:cNvPicPr>
+            <a:picLocks noChangeAspect="1"/>
+          </p:cNvPicPr>
+          <p:nvPr/>
+        </p:nvPicPr>
+        <p:blipFill>
+          <a:blip r:embed="rId4" cstate="print">
+            <a:extLst>
+              <a:ext uri="{28A0092B-C50C-407E-A947-70E740481C1C}">
+                <a14:useLocalDpi xmlns:a14="http://schemas.microsoft.com/office/drawing/2010/main" val="0"/>
+              </a:ext>
+            </a:extLst>
+          </a:blip>
+          <a:stretch>
+            <a:fillRect/>
+          </a:stretch>
+        </p:blipFill>
+        <p:spPr>
+          <a:xfrm>
+            <a:off x="6012156" y="959676"/>
+            <a:ext cx="2304260" cy="1724007"/>
+          </a:xfrm>
+          <a:prstGeom prst="rect">
+            <a:avLst/>
+          </a:prstGeom>
+          <a:ln w="9525">
+            <a:solidFill>
+              <a:schemeClr val="tx1"/>
+            </a:solidFill>
+          </a:ln>
+        </p:spPr>
+      </p:pic>
+      <p:sp>
+        <p:nvSpPr>
+          <p:cNvPr id="10" name="Textfeld 9"/>
+          <p:cNvSpPr txBox="1"/>
+          <p:nvPr/>
+        </p:nvSpPr>
+        <p:spPr>
+          <a:xfrm>
+            <a:off x="6156176" y="2715766"/>
+            <a:ext cx="2064989" cy="246221"/>
+          </a:xfrm>
+          <a:prstGeom prst="rect">
+            <a:avLst/>
+          </a:prstGeom>
+          <a:noFill/>
+        </p:spPr>
+        <p:txBody>
+          <a:bodyPr wrap="none" rtlCol="0">
+            <a:spAutoFit/>
+          </a:bodyPr>
+          <a:lstStyle/>
+          <a:p>
+            <a:r>
+              <a:rPr lang="de-DE" sz="1000" dirty="0" err="1" smtClean="0"/>
+              <a:t>Bivariate</a:t>
+            </a:r>
+            <a:r>
+              <a:rPr lang="de-DE" sz="1000" dirty="0" smtClean="0"/>
+              <a:t> Beispieldaten (Kline, 2015)</a:t>
+            </a:r>
+            <a:endParaRPr lang="de-DE" sz="1000" dirty="0"/>
+          </a:p>
+        </p:txBody>
+      </p:sp>
     </p:spTree>
     <p:extLst>
       <p:ext uri="{BB962C8B-B14F-4D97-AF65-F5344CB8AC3E}">
-        <p14:creationId xmlns:p14="http://schemas.microsoft.com/office/powerpoint/2010/main" val="933179692"/>
+        <p14:creationId xmlns:p14="http://schemas.microsoft.com/office/powerpoint/2010/main" val="4210244913"/>
       </p:ext>
     </p:extLst>
   </p:cSld>
@@ -8027,7 +10725,7 @@
             </a:r>
             <a:r>
               <a:rPr lang="de-DE" dirty="0" smtClean="0"/>
-              <a:t>- Wachstumsmodelle</a:t>
+              <a:t>– Wachstumsmodelle</a:t>
             </a:r>
             <a:endParaRPr lang="de-DE" dirty="0"/>
           </a:p>
@@ -8043,7 +10741,12 @@
             <p:ph idx="1"/>
           </p:nvPr>
         </p:nvSpPr>
-        <p:spPr/>
+        <p:spPr>
+          <a:xfrm>
+            <a:off x="323530" y="987574"/>
+            <a:ext cx="5832646" cy="3744416"/>
+          </a:xfrm>
+        </p:spPr>
         <p:txBody>
           <a:bodyPr>
             <a:normAutofit/>
@@ -8051,61 +10754,88 @@
           <a:lstStyle/>
           <a:p>
             <a:r>
+              <a:rPr lang="de-DE" dirty="0" smtClean="0"/>
+              <a:t>Wachstumsmodelle in der Natur weit verbreitet → beobachtbares Wachstum</a:t>
+            </a:r>
+          </a:p>
+          <a:p>
+            <a:pPr lvl="1"/>
+            <a:r>
+              <a:rPr lang="de-DE" dirty="0" smtClean="0"/>
+              <a:t>Körperwachstum</a:t>
+            </a:r>
+          </a:p>
+          <a:p>
+            <a:pPr lvl="1"/>
+            <a:r>
+              <a:rPr lang="de-DE" dirty="0" smtClean="0"/>
+              <a:t>Bakterienwachstum</a:t>
+            </a:r>
+          </a:p>
+          <a:p>
+            <a:pPr lvl="1"/>
+            <a:r>
+              <a:rPr lang="de-DE" dirty="0" smtClean="0"/>
+              <a:t>etc.</a:t>
+            </a:r>
+          </a:p>
+          <a:p>
+            <a:r>
+              <a:rPr lang="de-DE" dirty="0" smtClean="0"/>
+              <a:t>Modellklasse zur Analyse von </a:t>
+            </a:r>
+            <a:r>
               <a:rPr lang="de-DE" dirty="0"/>
-              <a:t>Messmodell</a:t>
-            </a:r>
-          </a:p>
-          <a:p>
-            <a:pPr lvl="1"/>
+              <a:t>Längsschnitt-Daten zur Vorhersage von </a:t>
+            </a:r>
+            <a:r>
+              <a:rPr lang="de-DE" dirty="0" smtClean="0"/>
+              <a:t>Wachstum einer Größe über die Zeit</a:t>
+            </a:r>
+          </a:p>
+          <a:p>
+            <a:r>
+              <a:rPr lang="de-DE" dirty="0" smtClean="0"/>
+              <a:t>Stark verbreitetes Strukturgleichungsmodell mit einer </a:t>
+            </a:r>
+            <a:r>
+              <a:rPr lang="de-DE" dirty="0" err="1" smtClean="0"/>
+              <a:t>Mean</a:t>
+            </a:r>
             <a:r>
               <a:rPr lang="de-DE" dirty="0"/>
-              <a:t>Daten werden in einem Zeitreihenkontext über verschiedene exogene Variablen gemessen</a:t>
-            </a:r>
-          </a:p>
-          <a:p>
-            <a:pPr lvl="1"/>
+              <a:t> </a:t>
+            </a:r>
+            <a:r>
+              <a:rPr lang="de-DE" dirty="0" err="1" smtClean="0"/>
+              <a:t>Structure</a:t>
+            </a:r>
+            <a:endParaRPr lang="de-DE" dirty="0" smtClean="0"/>
+          </a:p>
+          <a:p>
             <a:r>
               <a:rPr lang="de-DE" dirty="0"/>
-              <a:t>Experiment ist fix, d.h. es muss zu jedem Zeitpunkt identisch sein</a:t>
-            </a:r>
-          </a:p>
-          <a:p>
-            <a:pPr lvl="1"/>
+              <a:t>SEM oder auch HLM (</a:t>
+            </a:r>
+            <a:r>
+              <a:rPr lang="de-DE" dirty="0" err="1"/>
+              <a:t>hierarchical</a:t>
+            </a:r>
             <a:r>
               <a:rPr lang="de-DE" dirty="0"/>
-              <a:t>Zeitintervalle zwischen einzelnen Messungen müssen nicht identisch sein, aber bei jedem Testobjekt gleich (z.B. Alter 3, 6, 12, 24 bei jedem Kandidat)</a:t>
-            </a:r>
-          </a:p>
-          <a:p>
+              <a:t> linear </a:t>
+            </a:r>
+            <a:r>
+              <a:rPr lang="de-DE" dirty="0" err="1"/>
+              <a:t>modeling</a:t>
+            </a:r>
             <a:r>
               <a:rPr lang="de-DE" dirty="0"/>
-              <a:t>Wachstumsparameter: </a:t>
-            </a:r>
-            <a:r>
-              <a:rPr lang="de-DE" dirty="0" err="1"/>
-              <a:t>Intercept</a:t>
-            </a:r>
-            <a:r>
-              <a:rPr lang="de-DE" dirty="0"/>
-              <a:t> (aka Initial Status, Initial Level) und </a:t>
-            </a:r>
-            <a:r>
-              <a:rPr lang="de-DE" dirty="0" err="1"/>
-              <a:t>Slope</a:t>
-            </a:r>
-            <a:r>
-              <a:rPr lang="de-DE" dirty="0"/>
-              <a:t> (aka Growth rate, Shape</a:t>
-            </a:r>
-            <a:r>
-              <a:rPr lang="de-DE" dirty="0" smtClean="0"/>
-              <a:t>)</a:t>
-            </a:r>
-          </a:p>
-          <a:p>
-            <a:r>
-              <a:rPr lang="de-DE" dirty="0" smtClean="0"/>
-              <a:t>Kritik: Quadratische, kubische oder höher komplexe Abhängigkeiten nicht sinnvoll mit zwei Parametern abbildbar</a:t>
+              <a:t>) dienen der </a:t>
+            </a:r>
+            <a:r>
+              <a:rPr lang="de-DE" dirty="0" smtClean="0"/>
+              <a:t>Analyse</a:t>
             </a:r>
             <a:endParaRPr lang="de-DE" dirty="0"/>
           </a:p>
@@ -8129,7 +10859,7 @@
             <a:fld id="{6DB845E5-DACF-426C-8A10-A6438D29DD66}" type="datetime1">
               <a:rPr lang="de-DE" smtClean="0"/>
               <a:pPr/>
-              <a:t>17.02.2018</a:t>
+              <a:t>19.02.2018</a:t>
             </a:fld>
             <a:endParaRPr lang="de-DE"/>
           </a:p>
@@ -8182,10 +10912,88 @@
           </a:p>
         </p:txBody>
       </p:sp>
+      <p:pic>
+        <p:nvPicPr>
+          <p:cNvPr id="7" name="Grafik 6" descr="Bildschirmausschnitt"/>
+          <p:cNvPicPr>
+            <a:picLocks noChangeAspect="1"/>
+          </p:cNvPicPr>
+          <p:nvPr/>
+        </p:nvPicPr>
+        <p:blipFill>
+          <a:blip r:embed="rId2" cstate="print">
+            <a:extLst>
+              <a:ext uri="{28A0092B-C50C-407E-A947-70E740481C1C}">
+                <a14:useLocalDpi xmlns:a14="http://schemas.microsoft.com/office/drawing/2010/main" val="0"/>
+              </a:ext>
+            </a:extLst>
+          </a:blip>
+          <a:stretch>
+            <a:fillRect/>
+          </a:stretch>
+        </p:blipFill>
+        <p:spPr>
+          <a:xfrm>
+            <a:off x="6416894" y="1342509"/>
+            <a:ext cx="2547594" cy="1949321"/>
+          </a:xfrm>
+          <a:prstGeom prst="rect">
+            <a:avLst/>
+          </a:prstGeom>
+          <a:ln>
+            <a:solidFill>
+              <a:schemeClr val="tx1"/>
+            </a:solidFill>
+          </a:ln>
+        </p:spPr>
+      </p:pic>
+      <p:sp>
+        <p:nvSpPr>
+          <p:cNvPr id="8" name="Textfeld 7"/>
+          <p:cNvSpPr txBox="1"/>
+          <p:nvPr/>
+        </p:nvSpPr>
+        <p:spPr>
+          <a:xfrm>
+            <a:off x="6467451" y="3291830"/>
+            <a:ext cx="2425029" cy="553998"/>
+          </a:xfrm>
+          <a:prstGeom prst="rect">
+            <a:avLst/>
+          </a:prstGeom>
+          <a:noFill/>
+        </p:spPr>
+        <p:txBody>
+          <a:bodyPr wrap="square" rtlCol="0">
+            <a:spAutoFit/>
+          </a:bodyPr>
+          <a:lstStyle/>
+          <a:p>
+            <a:pPr algn="ctr"/>
+            <a:r>
+              <a:rPr lang="de-DE" sz="1000" dirty="0" err="1" smtClean="0"/>
+              <a:t>Mean</a:t>
+            </a:r>
+            <a:r>
+              <a:rPr lang="de-DE" sz="1000" dirty="0" smtClean="0"/>
+              <a:t> </a:t>
+            </a:r>
+            <a:r>
+              <a:rPr lang="de-DE" sz="1000" dirty="0" err="1" smtClean="0"/>
+              <a:t>Scores</a:t>
+            </a:r>
+            <a:r>
+              <a:rPr lang="de-DE" sz="1000" dirty="0" smtClean="0"/>
+              <a:t> einer Lernkurve über zeitlich aufeinander folgende Versuche (Kline, 2015)</a:t>
+            </a:r>
+            <a:endParaRPr lang="de-DE" sz="1000" dirty="0"/>
+          </a:p>
+        </p:txBody>
+      </p:sp>
     </p:spTree>
     <p:extLst>
       <p:ext uri="{BB962C8B-B14F-4D97-AF65-F5344CB8AC3E}">
-        <p14:creationId xmlns:p14="http://schemas.microsoft.com/office/powerpoint/2010/main" val="1669969684"/>
+        <p14:creationId xmlns:p14="http://schemas.microsoft.com/office/powerpoint/2010/main" val="933179692"/>
       </p:ext>
     </p:extLst>
   </p:cSld>
@@ -8236,7 +11044,15 @@
           <a:p>
             <a:r>
               <a:rPr lang="de-DE" dirty="0" smtClean="0"/>
-              <a:t>Versuchsaufbau</a:t>
+              <a:t>Grundlagen </a:t>
+            </a:r>
+            <a:r>
+              <a:rPr lang="de-DE" dirty="0"/>
+              <a:t>–</a:t>
+            </a:r>
+            <a:r>
+              <a:rPr lang="de-DE" dirty="0" smtClean="0"/>
+              <a:t> Wachstumsmodelle</a:t>
             </a:r>
             <a:endParaRPr lang="de-DE" dirty="0"/>
           </a:p>
@@ -8244,7 +11060,155 @@
       </p:sp>
       <p:sp>
         <p:nvSpPr>
-          <p:cNvPr id="4" name="Datumsplatzhalter 3"/>
+          <p:cNvPr id="3" name="Textplatzhalter 2"/>
+          <p:cNvSpPr>
+            <a:spLocks noGrp="1"/>
+          </p:cNvSpPr>
+          <p:nvPr>
+            <p:ph type="body" idx="1"/>
+          </p:nvPr>
+        </p:nvSpPr>
+        <p:spPr/>
+        <p:txBody>
+          <a:bodyPr/>
+          <a:lstStyle/>
+          <a:p>
+            <a:r>
+              <a:rPr lang="de-DE" dirty="0" err="1" smtClean="0"/>
+              <a:t>Strucural</a:t>
+            </a:r>
+            <a:r>
+              <a:rPr lang="de-DE" dirty="0" smtClean="0"/>
+              <a:t> </a:t>
+            </a:r>
+            <a:r>
+              <a:rPr lang="de-DE" dirty="0" err="1" smtClean="0"/>
+              <a:t>Equation</a:t>
+            </a:r>
+            <a:r>
+              <a:rPr lang="de-DE" dirty="0" smtClean="0"/>
+              <a:t> Modeling</a:t>
+            </a:r>
+            <a:endParaRPr lang="de-DE" dirty="0"/>
+          </a:p>
+        </p:txBody>
+      </p:sp>
+      <p:sp>
+        <p:nvSpPr>
+          <p:cNvPr id="4" name="Inhaltsplatzhalter 3"/>
+          <p:cNvSpPr>
+            <a:spLocks noGrp="1"/>
+          </p:cNvSpPr>
+          <p:nvPr>
+            <p:ph sz="half" idx="2"/>
+          </p:nvPr>
+        </p:nvSpPr>
+        <p:spPr/>
+        <p:txBody>
+          <a:bodyPr/>
+          <a:lstStyle/>
+          <a:p>
+            <a:endParaRPr lang="de-DE" dirty="0" smtClean="0"/>
+          </a:p>
+          <a:p>
+            <a:r>
+              <a:rPr lang="de-DE" dirty="0" smtClean="0"/>
+              <a:t>Global fit </a:t>
+            </a:r>
+            <a:r>
+              <a:rPr lang="de-DE" dirty="0" err="1" smtClean="0"/>
+              <a:t>statistics</a:t>
+            </a:r>
+            <a:endParaRPr lang="de-DE" dirty="0" smtClean="0"/>
+          </a:p>
+          <a:p>
+            <a:r>
+              <a:rPr lang="de-DE" dirty="0" smtClean="0"/>
+              <a:t>Simultane Analyse mehrerer Wachstumskurven</a:t>
+            </a:r>
+          </a:p>
+          <a:p>
+            <a:r>
+              <a:rPr lang="de-DE" dirty="0" smtClean="0"/>
+              <a:t>Wachstumsmodelle auch mit latenten Variablen möglich, nicht nur mit beobachtbaren</a:t>
+            </a:r>
+            <a:endParaRPr lang="de-DE" dirty="0"/>
+          </a:p>
+        </p:txBody>
+      </p:sp>
+      <p:sp>
+        <p:nvSpPr>
+          <p:cNvPr id="5" name="Textplatzhalter 4"/>
+          <p:cNvSpPr>
+            <a:spLocks noGrp="1"/>
+          </p:cNvSpPr>
+          <p:nvPr>
+            <p:ph type="body" sz="quarter" idx="3"/>
+          </p:nvPr>
+        </p:nvSpPr>
+        <p:spPr/>
+        <p:txBody>
+          <a:bodyPr/>
+          <a:lstStyle/>
+          <a:p>
+            <a:r>
+              <a:rPr lang="de-DE" dirty="0" err="1" smtClean="0"/>
+              <a:t>Hierarchical</a:t>
+            </a:r>
+            <a:r>
+              <a:rPr lang="de-DE" dirty="0" smtClean="0"/>
+              <a:t> linear Modeling</a:t>
+            </a:r>
+            <a:endParaRPr lang="de-DE" dirty="0"/>
+          </a:p>
+        </p:txBody>
+      </p:sp>
+      <p:sp>
+        <p:nvSpPr>
+          <p:cNvPr id="6" name="Inhaltsplatzhalter 5"/>
+          <p:cNvSpPr>
+            <a:spLocks noGrp="1"/>
+          </p:cNvSpPr>
+          <p:nvPr>
+            <p:ph sz="quarter" idx="4"/>
+          </p:nvPr>
+        </p:nvSpPr>
+        <p:spPr/>
+        <p:txBody>
+          <a:bodyPr/>
+          <a:lstStyle/>
+          <a:p>
+            <a:endParaRPr lang="de-DE" dirty="0" smtClean="0"/>
+          </a:p>
+          <a:p>
+            <a:r>
+              <a:rPr lang="de-DE" dirty="0" smtClean="0"/>
+              <a:t>Keine Beschränkung auf Daten im Zeitreihenkontext</a:t>
+            </a:r>
+          </a:p>
+          <a:p>
+            <a:r>
+              <a:rPr lang="de-DE" dirty="0" smtClean="0"/>
+              <a:t>Flexibler Umgang mit Fehlwerten und </a:t>
+            </a:r>
+            <a:r>
+              <a:rPr lang="de-DE" dirty="0" err="1" smtClean="0"/>
+              <a:t>unbalancierten</a:t>
+            </a:r>
+            <a:r>
+              <a:rPr lang="de-DE" dirty="0" smtClean="0"/>
+              <a:t> Daten</a:t>
+            </a:r>
+          </a:p>
+          <a:p>
+            <a:pPr lvl="1"/>
+            <a:endParaRPr lang="de-DE" dirty="0"/>
+          </a:p>
+        </p:txBody>
+      </p:sp>
+      <p:sp>
+        <p:nvSpPr>
+          <p:cNvPr id="7" name="Datumsplatzhalter 6"/>
           <p:cNvSpPr>
             <a:spLocks noGrp="1"/>
           </p:cNvSpPr>
@@ -8257,10 +11221,10 @@
           <a:bodyPr/>
           <a:lstStyle/>
           <a:p>
-            <a:fld id="{6DB845E5-DACF-426C-8A10-A6438D29DD66}" type="datetime1">
+            <a:fld id="{DA5DE712-6C0E-4DF7-B336-AC97213DC93D}" type="datetime1">
               <a:rPr lang="de-DE" smtClean="0"/>
               <a:pPr/>
-              <a:t>17.02.2018</a:t>
+              <a:t>19.02.2018</a:t>
             </a:fld>
             <a:endParaRPr lang="de-DE"/>
           </a:p>
@@ -8268,7 +11232,7 @@
       </p:sp>
       <p:sp>
         <p:nvSpPr>
-          <p:cNvPr id="5" name="Fußzeilenplatzhalter 4"/>
+          <p:cNvPr id="8" name="Fußzeilenplatzhalter 7"/>
           <p:cNvSpPr>
             <a:spLocks noGrp="1"/>
           </p:cNvSpPr>
@@ -8291,7 +11255,7 @@
       </p:sp>
       <p:sp>
         <p:nvSpPr>
-          <p:cNvPr id="6" name="Foliennummernplatzhalter 5"/>
+          <p:cNvPr id="9" name="Foliennummernplatzhalter 8"/>
           <p:cNvSpPr>
             <a:spLocks noGrp="1"/>
           </p:cNvSpPr>
@@ -8308,6 +11272,392 @@
               <a:rPr lang="de-DE" smtClean="0"/>
               <a:pPr/>
               <a:t>6</a:t>
+            </a:fld>
+            <a:endParaRPr lang="de-DE"/>
+          </a:p>
+        </p:txBody>
+      </p:sp>
+      <p:sp>
+        <p:nvSpPr>
+          <p:cNvPr id="10" name="Inhaltsplatzhalter 9"/>
+          <p:cNvSpPr>
+            <a:spLocks noGrp="1"/>
+          </p:cNvSpPr>
+          <p:nvPr>
+            <p:ph sz="quarter" idx="13"/>
+          </p:nvPr>
+        </p:nvSpPr>
+        <p:spPr/>
+        <p:txBody>
+          <a:bodyPr/>
+          <a:lstStyle/>
+          <a:p>
+            <a:r>
+              <a:rPr lang="de-DE" dirty="0" smtClean="0"/>
+              <a:t>SEM zur Analyse von Wachstumskurven bei latenten Variablen sinnvoll</a:t>
+            </a:r>
+            <a:endParaRPr lang="de-DE" dirty="0"/>
+          </a:p>
+        </p:txBody>
+      </p:sp>
+    </p:spTree>
+    <p:extLst>
+      <p:ext uri="{BB962C8B-B14F-4D97-AF65-F5344CB8AC3E}">
+        <p14:creationId xmlns:p14="http://schemas.microsoft.com/office/powerpoint/2010/main" val="1556926257"/>
+      </p:ext>
+    </p:extLst>
+  </p:cSld>
+  <p:clrMapOvr>
+    <a:masterClrMapping/>
+  </p:clrMapOvr>
+</p:sld>
+</file>
+
+<file path=ppt/slides/slide7.xml><?xml version="1.0" encoding="utf-8"?>
+<p:sld xmlns:a="http://schemas.openxmlformats.org/drawingml/2006/main" xmlns:r="http://schemas.openxmlformats.org/officeDocument/2006/relationships" xmlns:p="http://schemas.openxmlformats.org/presentationml/2006/main">
+  <p:cSld>
+    <p:spTree>
+      <p:nvGrpSpPr>
+        <p:cNvPr id="1" name=""/>
+        <p:cNvGrpSpPr/>
+        <p:nvPr/>
+      </p:nvGrpSpPr>
+      <p:grpSpPr>
+        <a:xfrm>
+          <a:off x="0" y="0"/>
+          <a:ext cx="0" cy="0"/>
+          <a:chOff x="0" y="0"/>
+          <a:chExt cx="0" cy="0"/>
+        </a:xfrm>
+      </p:grpSpPr>
+      <p:sp>
+        <p:nvSpPr>
+          <p:cNvPr id="2" name="Titel 1"/>
+          <p:cNvSpPr>
+            <a:spLocks noGrp="1"/>
+          </p:cNvSpPr>
+          <p:nvPr>
+            <p:ph type="title"/>
+          </p:nvPr>
+        </p:nvSpPr>
+        <p:spPr/>
+        <p:txBody>
+          <a:bodyPr>
+            <a:normAutofit/>
+          </a:bodyPr>
+          <a:lstStyle/>
+          <a:p>
+            <a:r>
+              <a:rPr lang="de-DE" dirty="0" smtClean="0"/>
+              <a:t>Grundlagen</a:t>
+            </a:r>
+            <a:r>
+              <a:rPr lang="de-DE" dirty="0"/>
+              <a:t> – </a:t>
+            </a:r>
+            <a:r>
+              <a:rPr lang="de-DE" dirty="0" smtClean="0"/>
+              <a:t>Wachstumsmodelle</a:t>
+            </a:r>
+            <a:endParaRPr lang="de-DE" dirty="0"/>
+          </a:p>
+        </p:txBody>
+      </p:sp>
+      <p:sp>
+        <p:nvSpPr>
+          <p:cNvPr id="3" name="Inhaltsplatzhalter 2"/>
+          <p:cNvSpPr>
+            <a:spLocks noGrp="1"/>
+          </p:cNvSpPr>
+          <p:nvPr>
+            <p:ph idx="1"/>
+          </p:nvPr>
+        </p:nvSpPr>
+        <p:spPr/>
+        <p:txBody>
+          <a:bodyPr>
+            <a:normAutofit/>
+          </a:bodyPr>
+          <a:lstStyle/>
+          <a:p>
+            <a:r>
+              <a:rPr lang="de-DE" dirty="0" smtClean="0"/>
+              <a:t>Messmodell in SEM</a:t>
+            </a:r>
+            <a:endParaRPr lang="de-DE" dirty="0"/>
+          </a:p>
+          <a:p>
+            <a:pPr lvl="1"/>
+            <a:r>
+              <a:rPr lang="de-DE" dirty="0"/>
+              <a:t>Daten werden in einem Zeitreihenkontext </a:t>
+            </a:r>
+            <a:r>
+              <a:rPr lang="de-DE" dirty="0" smtClean="0"/>
+              <a:t>gemessen</a:t>
+            </a:r>
+          </a:p>
+          <a:p>
+            <a:pPr lvl="1"/>
+            <a:r>
+              <a:rPr lang="de-DE" dirty="0" smtClean="0"/>
+              <a:t>Messungen an mindestens 3 verschiedenen Zeitpunkten (Kline, 2015)</a:t>
+            </a:r>
+          </a:p>
+          <a:p>
+            <a:pPr lvl="1"/>
+            <a:r>
+              <a:rPr lang="de-DE" dirty="0" smtClean="0"/>
+              <a:t>ggf. Strukturgleichungen für endogene Variablen zu verschiedenen Zeitpunkten</a:t>
+            </a:r>
+            <a:endParaRPr lang="de-DE" dirty="0"/>
+          </a:p>
+          <a:p>
+            <a:pPr lvl="1"/>
+            <a:r>
+              <a:rPr lang="de-DE" dirty="0"/>
+              <a:t>Experiment ist fix, d.h. es muss zu jedem Zeitpunkt identisch sein</a:t>
+            </a:r>
+          </a:p>
+          <a:p>
+            <a:pPr lvl="1"/>
+            <a:r>
+              <a:rPr lang="de-DE" dirty="0"/>
+              <a:t>Zeitintervalle zwischen einzelnen Messungen müssen nicht identisch sein, aber bei jedem Testobjekt gleich (z.B. Alter 3, 6, 12, 24 bei jedem Kandidat)</a:t>
+            </a:r>
+          </a:p>
+          <a:p>
+            <a:r>
+              <a:rPr lang="de-DE" dirty="0"/>
+              <a:t>Wachstumsparameter: </a:t>
+            </a:r>
+            <a:r>
+              <a:rPr lang="de-DE" dirty="0" err="1"/>
+              <a:t>Intercept</a:t>
+            </a:r>
+            <a:r>
+              <a:rPr lang="de-DE" dirty="0"/>
+              <a:t> (aka Initial Status, Initial Level) und </a:t>
+            </a:r>
+            <a:r>
+              <a:rPr lang="de-DE" dirty="0" err="1"/>
+              <a:t>Slope</a:t>
+            </a:r>
+            <a:r>
+              <a:rPr lang="de-DE" dirty="0"/>
+              <a:t> (aka Growth rate, Shape</a:t>
+            </a:r>
+            <a:r>
+              <a:rPr lang="de-DE" dirty="0" smtClean="0"/>
+              <a:t>)</a:t>
+            </a:r>
+          </a:p>
+          <a:p>
+            <a:r>
+              <a:rPr lang="de-DE" dirty="0" smtClean="0"/>
+              <a:t>Kritik: Quadratische, kubische oder höher komplexe Abhängigkeiten nicht sinnvoll mit zwei Parametern abbildbar</a:t>
+            </a:r>
+            <a:endParaRPr lang="de-DE" dirty="0"/>
+          </a:p>
+        </p:txBody>
+      </p:sp>
+      <p:sp>
+        <p:nvSpPr>
+          <p:cNvPr id="4" name="Datumsplatzhalter 3"/>
+          <p:cNvSpPr>
+            <a:spLocks noGrp="1"/>
+          </p:cNvSpPr>
+          <p:nvPr>
+            <p:ph type="dt" sz="half" idx="10"/>
+          </p:nvPr>
+        </p:nvSpPr>
+        <p:spPr/>
+        <p:txBody>
+          <a:bodyPr/>
+          <a:lstStyle/>
+          <a:p>
+            <a:fld id="{6DB845E5-DACF-426C-8A10-A6438D29DD66}" type="datetime1">
+              <a:rPr lang="de-DE" smtClean="0"/>
+              <a:pPr/>
+              <a:t>19.02.2018</a:t>
+            </a:fld>
+            <a:endParaRPr lang="de-DE"/>
+          </a:p>
+        </p:txBody>
+      </p:sp>
+      <p:sp>
+        <p:nvSpPr>
+          <p:cNvPr id="5" name="Fußzeilenplatzhalter 4"/>
+          <p:cNvSpPr>
+            <a:spLocks noGrp="1"/>
+          </p:cNvSpPr>
+          <p:nvPr>
+            <p:ph type="ftr" sz="quarter" idx="11"/>
+          </p:nvPr>
+        </p:nvSpPr>
+        <p:spPr/>
+        <p:txBody>
+          <a:bodyPr/>
+          <a:lstStyle/>
+          <a:p>
+            <a:r>
+              <a:rPr lang="de-DE" smtClean="0"/>
+              <a:t>Structural Equation Modelling – Wintersemester 2017/2018</a:t>
+            </a:r>
+            <a:endParaRPr lang="de-DE" dirty="0"/>
+          </a:p>
+        </p:txBody>
+      </p:sp>
+      <p:sp>
+        <p:nvSpPr>
+          <p:cNvPr id="6" name="Foliennummernplatzhalter 5"/>
+          <p:cNvSpPr>
+            <a:spLocks noGrp="1"/>
+          </p:cNvSpPr>
+          <p:nvPr>
+            <p:ph type="sldNum" sz="quarter" idx="12"/>
+          </p:nvPr>
+        </p:nvSpPr>
+        <p:spPr/>
+        <p:txBody>
+          <a:bodyPr/>
+          <a:lstStyle/>
+          <a:p>
+            <a:fld id="{015363AA-F6CB-4A58-B5AD-B2CDFEAF0813}" type="slidenum">
+              <a:rPr lang="de-DE" smtClean="0"/>
+              <a:pPr/>
+              <a:t>7</a:t>
+            </a:fld>
+            <a:endParaRPr lang="de-DE"/>
+          </a:p>
+        </p:txBody>
+      </p:sp>
+    </p:spTree>
+    <p:extLst>
+      <p:ext uri="{BB962C8B-B14F-4D97-AF65-F5344CB8AC3E}">
+        <p14:creationId xmlns:p14="http://schemas.microsoft.com/office/powerpoint/2010/main" val="1669969684"/>
+      </p:ext>
+    </p:extLst>
+  </p:cSld>
+  <p:clrMapOvr>
+    <a:masterClrMapping/>
+  </p:clrMapOvr>
+  <p:timing>
+    <p:tnLst>
+      <p:par>
+        <p:cTn id="1" dur="indefinite" restart="never" nodeType="tmRoot"/>
+      </p:par>
+    </p:tnLst>
+  </p:timing>
+</p:sld>
+</file>
+
+<file path=ppt/slides/slide8.xml><?xml version="1.0" encoding="utf-8"?>
+<p:sld xmlns:a="http://schemas.openxmlformats.org/drawingml/2006/main" xmlns:r="http://schemas.openxmlformats.org/officeDocument/2006/relationships" xmlns:p="http://schemas.openxmlformats.org/presentationml/2006/main">
+  <p:cSld>
+    <p:spTree>
+      <p:nvGrpSpPr>
+        <p:cNvPr id="1" name=""/>
+        <p:cNvGrpSpPr/>
+        <p:nvPr/>
+      </p:nvGrpSpPr>
+      <p:grpSpPr>
+        <a:xfrm>
+          <a:off x="0" y="0"/>
+          <a:ext cx="0" cy="0"/>
+          <a:chOff x="0" y="0"/>
+          <a:chExt cx="0" cy="0"/>
+        </a:xfrm>
+      </p:grpSpPr>
+      <p:sp>
+        <p:nvSpPr>
+          <p:cNvPr id="2" name="Titel 1"/>
+          <p:cNvSpPr>
+            <a:spLocks noGrp="1"/>
+          </p:cNvSpPr>
+          <p:nvPr>
+            <p:ph type="title"/>
+          </p:nvPr>
+        </p:nvSpPr>
+        <p:spPr/>
+        <p:txBody>
+          <a:bodyPr/>
+          <a:lstStyle/>
+          <a:p>
+            <a:r>
+              <a:rPr lang="de-DE" dirty="0" smtClean="0"/>
+              <a:t>Versuchsaufbau</a:t>
+            </a:r>
+            <a:endParaRPr lang="de-DE" dirty="0"/>
+          </a:p>
+        </p:txBody>
+      </p:sp>
+      <p:sp>
+        <p:nvSpPr>
+          <p:cNvPr id="4" name="Datumsplatzhalter 3"/>
+          <p:cNvSpPr>
+            <a:spLocks noGrp="1"/>
+          </p:cNvSpPr>
+          <p:nvPr>
+            <p:ph type="dt" sz="half" idx="10"/>
+          </p:nvPr>
+        </p:nvSpPr>
+        <p:spPr/>
+        <p:txBody>
+          <a:bodyPr/>
+          <a:lstStyle/>
+          <a:p>
+            <a:fld id="{6DB845E5-DACF-426C-8A10-A6438D29DD66}" type="datetime1">
+              <a:rPr lang="de-DE" smtClean="0"/>
+              <a:pPr/>
+              <a:t>19.02.2018</a:t>
+            </a:fld>
+            <a:endParaRPr lang="de-DE"/>
+          </a:p>
+        </p:txBody>
+      </p:sp>
+      <p:sp>
+        <p:nvSpPr>
+          <p:cNvPr id="5" name="Fußzeilenplatzhalter 4"/>
+          <p:cNvSpPr>
+            <a:spLocks noGrp="1"/>
+          </p:cNvSpPr>
+          <p:nvPr>
+            <p:ph type="ftr" sz="quarter" idx="11"/>
+          </p:nvPr>
+        </p:nvSpPr>
+        <p:spPr/>
+        <p:txBody>
+          <a:bodyPr/>
+          <a:lstStyle/>
+          <a:p>
+            <a:r>
+              <a:rPr lang="de-DE" smtClean="0"/>
+              <a:t>Structural Equation Modelling – Wintersemester 2017/2018</a:t>
+            </a:r>
+            <a:endParaRPr lang="de-DE" dirty="0"/>
+          </a:p>
+        </p:txBody>
+      </p:sp>
+      <p:sp>
+        <p:nvSpPr>
+          <p:cNvPr id="6" name="Foliennummernplatzhalter 5"/>
+          <p:cNvSpPr>
+            <a:spLocks noGrp="1"/>
+          </p:cNvSpPr>
+          <p:nvPr>
+            <p:ph type="sldNum" sz="quarter" idx="12"/>
+          </p:nvPr>
+        </p:nvSpPr>
+        <p:spPr/>
+        <p:txBody>
+          <a:bodyPr/>
+          <a:lstStyle/>
+          <a:p>
+            <a:fld id="{015363AA-F6CB-4A58-B5AD-B2CDFEAF0813}" type="slidenum">
+              <a:rPr lang="de-DE" smtClean="0"/>
+              <a:pPr/>
+              <a:t>8</a:t>
             </a:fld>
             <a:endParaRPr lang="de-DE"/>
           </a:p>
@@ -8730,20 +12080,20 @@
           <a:p>
             <a:pPr algn="ctr"/>
             <a:r>
-              <a:rPr lang="de-DE" sz="1400" dirty="0" err="1" smtClean="0">
-                <a:solidFill>
-                  <a:schemeClr val="tx1"/>
-                </a:solidFill>
-              </a:rPr>
-              <a:t>Exponetielle</a:t>
-            </a:r>
-            <a:r>
               <a:rPr lang="de-DE" sz="1400" dirty="0" smtClean="0">
                 <a:solidFill>
                   <a:schemeClr val="tx1"/>
                 </a:solidFill>
               </a:rPr>
-              <a:t> Rohdaten</a:t>
+              <a:t>Nicht-Lineare </a:t>
+            </a:r>
+            <a:r>
+              <a:rPr lang="de-DE" sz="1400" dirty="0" smtClean="0">
+                <a:solidFill>
+                  <a:schemeClr val="tx1"/>
+                </a:solidFill>
+              </a:rPr>
+              <a:t>Rohdaten</a:t>
             </a:r>
             <a:endParaRPr lang="de-DE" sz="1400" dirty="0">
               <a:solidFill>
@@ -9606,444 +12956,6 @@
 </p:sld>
 </file>
 
-<file path=ppt/slides/slide7.xml><?xml version="1.0" encoding="utf-8"?>
-<p:sld xmlns:a="http://schemas.openxmlformats.org/drawingml/2006/main" xmlns:r="http://schemas.openxmlformats.org/officeDocument/2006/relationships" xmlns:p="http://schemas.openxmlformats.org/presentationml/2006/main">
-  <p:cSld>
-    <p:spTree>
-      <p:nvGrpSpPr>
-        <p:cNvPr id="1" name=""/>
-        <p:cNvGrpSpPr/>
-        <p:nvPr/>
-      </p:nvGrpSpPr>
-      <p:grpSpPr>
-        <a:xfrm>
-          <a:off x="0" y="0"/>
-          <a:ext cx="0" cy="0"/>
-          <a:chOff x="0" y="0"/>
-          <a:chExt cx="0" cy="0"/>
-        </a:xfrm>
-      </p:grpSpPr>
-      <p:sp>
-        <p:nvSpPr>
-          <p:cNvPr id="2" name="Titel 1"/>
-          <p:cNvSpPr>
-            <a:spLocks noGrp="1"/>
-          </p:cNvSpPr>
-          <p:nvPr>
-            <p:ph type="title"/>
-          </p:nvPr>
-        </p:nvSpPr>
-        <p:spPr/>
-        <p:txBody>
-          <a:bodyPr/>
-          <a:lstStyle/>
-          <a:p>
-            <a:r>
-              <a:rPr lang="de-DE" dirty="0" smtClean="0"/>
-              <a:t>Datensätze</a:t>
-            </a:r>
-            <a:endParaRPr lang="de-DE" dirty="0"/>
-          </a:p>
-        </p:txBody>
-      </p:sp>
-      <p:sp>
-        <p:nvSpPr>
-          <p:cNvPr id="10" name="Textplatzhalter 9"/>
-          <p:cNvSpPr>
-            <a:spLocks noGrp="1"/>
-          </p:cNvSpPr>
-          <p:nvPr>
-            <p:ph type="body" idx="1"/>
-          </p:nvPr>
-        </p:nvSpPr>
-        <p:spPr/>
-        <p:txBody>
-          <a:bodyPr/>
-          <a:lstStyle/>
-          <a:p>
-            <a:pPr algn="ctr"/>
-            <a:r>
-              <a:rPr lang="de-DE" dirty="0" smtClean="0"/>
-              <a:t>Lineare Daten</a:t>
-            </a:r>
-            <a:endParaRPr lang="de-DE" dirty="0"/>
-          </a:p>
-        </p:txBody>
-      </p:sp>
-      <p:sp>
-        <p:nvSpPr>
-          <p:cNvPr id="11" name="Inhaltsplatzhalter 10"/>
-          <p:cNvSpPr>
-            <a:spLocks noGrp="1"/>
-          </p:cNvSpPr>
-          <p:nvPr>
-            <p:ph sz="half" idx="2"/>
-          </p:nvPr>
-        </p:nvSpPr>
-        <p:spPr/>
-        <p:txBody>
-          <a:bodyPr/>
-          <a:lstStyle/>
-          <a:p>
-            <a:endParaRPr lang="de-DE"/>
-          </a:p>
-        </p:txBody>
-      </p:sp>
-      <p:sp>
-        <p:nvSpPr>
-          <p:cNvPr id="12" name="Textplatzhalter 11"/>
-          <p:cNvSpPr>
-            <a:spLocks noGrp="1"/>
-          </p:cNvSpPr>
-          <p:nvPr>
-            <p:ph type="body" sz="quarter" idx="3"/>
-          </p:nvPr>
-        </p:nvSpPr>
-        <p:spPr/>
-        <p:txBody>
-          <a:bodyPr/>
-          <a:lstStyle/>
-          <a:p>
-            <a:pPr algn="ctr"/>
-            <a:r>
-              <a:rPr lang="de-DE" dirty="0" smtClean="0"/>
-              <a:t>Quadratische Daten</a:t>
-            </a:r>
-            <a:endParaRPr lang="de-DE" dirty="0"/>
-          </a:p>
-        </p:txBody>
-      </p:sp>
-      <p:sp>
-        <p:nvSpPr>
-          <p:cNvPr id="13" name="Inhaltsplatzhalter 12"/>
-          <p:cNvSpPr>
-            <a:spLocks noGrp="1"/>
-          </p:cNvSpPr>
-          <p:nvPr>
-            <p:ph sz="quarter" idx="4"/>
-          </p:nvPr>
-        </p:nvSpPr>
-        <p:spPr/>
-        <p:txBody>
-          <a:bodyPr/>
-          <a:lstStyle/>
-          <a:p>
-            <a:endParaRPr lang="de-DE"/>
-          </a:p>
-        </p:txBody>
-      </p:sp>
-      <p:sp>
-        <p:nvSpPr>
-          <p:cNvPr id="4" name="Datumsplatzhalter 3"/>
-          <p:cNvSpPr>
-            <a:spLocks noGrp="1"/>
-          </p:cNvSpPr>
-          <p:nvPr>
-            <p:ph type="dt" sz="half" idx="10"/>
-          </p:nvPr>
-        </p:nvSpPr>
-        <p:spPr/>
-        <p:txBody>
-          <a:bodyPr/>
-          <a:lstStyle/>
-          <a:p>
-            <a:fld id="{6DB845E5-DACF-426C-8A10-A6438D29DD66}" type="datetime1">
-              <a:rPr lang="de-DE" smtClean="0"/>
-              <a:pPr/>
-              <a:t>17.02.2018</a:t>
-            </a:fld>
-            <a:endParaRPr lang="de-DE"/>
-          </a:p>
-        </p:txBody>
-      </p:sp>
-      <p:sp>
-        <p:nvSpPr>
-          <p:cNvPr id="5" name="Fußzeilenplatzhalter 4"/>
-          <p:cNvSpPr>
-            <a:spLocks noGrp="1"/>
-          </p:cNvSpPr>
-          <p:nvPr>
-            <p:ph type="ftr" sz="quarter" idx="11"/>
-          </p:nvPr>
-        </p:nvSpPr>
-        <p:spPr/>
-        <p:txBody>
-          <a:bodyPr/>
-          <a:lstStyle/>
-          <a:p>
-            <a:r>
-              <a:rPr lang="de-DE" smtClean="0"/>
-              <a:t>Structural Equation Modelling – Wintersemester 2017/2018</a:t>
-            </a:r>
-            <a:endParaRPr lang="de-DE" dirty="0"/>
-          </a:p>
-        </p:txBody>
-      </p:sp>
-      <p:sp>
-        <p:nvSpPr>
-          <p:cNvPr id="6" name="Foliennummernplatzhalter 5"/>
-          <p:cNvSpPr>
-            <a:spLocks noGrp="1"/>
-          </p:cNvSpPr>
-          <p:nvPr>
-            <p:ph type="sldNum" sz="quarter" idx="12"/>
-          </p:nvPr>
-        </p:nvSpPr>
-        <p:spPr/>
-        <p:txBody>
-          <a:bodyPr/>
-          <a:lstStyle/>
-          <a:p>
-            <a:fld id="{015363AA-F6CB-4A58-B5AD-B2CDFEAF0813}" type="slidenum">
-              <a:rPr lang="de-DE" smtClean="0"/>
-              <a:pPr/>
-              <a:t>7</a:t>
-            </a:fld>
-            <a:endParaRPr lang="de-DE"/>
-          </a:p>
-        </p:txBody>
-      </p:sp>
-      <p:sp>
-        <p:nvSpPr>
-          <p:cNvPr id="14" name="Inhaltsplatzhalter 13"/>
-          <p:cNvSpPr>
-            <a:spLocks noGrp="1"/>
-          </p:cNvSpPr>
-          <p:nvPr>
-            <p:ph sz="quarter" idx="13"/>
-          </p:nvPr>
-        </p:nvSpPr>
-        <p:spPr/>
-        <p:txBody>
-          <a:bodyPr/>
-          <a:lstStyle/>
-          <a:p>
-            <a:r>
-              <a:rPr lang="de-DE" dirty="0" smtClean="0"/>
-              <a:t>Air </a:t>
-            </a:r>
-            <a:r>
-              <a:rPr lang="de-DE" dirty="0" err="1" smtClean="0"/>
-              <a:t>traffic</a:t>
-            </a:r>
-            <a:r>
-              <a:rPr lang="de-DE" dirty="0" smtClean="0"/>
-              <a:t> </a:t>
-            </a:r>
-            <a:r>
-              <a:rPr lang="de-DE" dirty="0" err="1" smtClean="0"/>
-              <a:t>controller</a:t>
-            </a:r>
-            <a:r>
-              <a:rPr lang="de-DE" dirty="0" smtClean="0"/>
-              <a:t> </a:t>
-            </a:r>
-            <a:r>
-              <a:rPr lang="de-DE" dirty="0" err="1" smtClean="0"/>
-              <a:t>task</a:t>
-            </a:r>
-            <a:r>
-              <a:rPr lang="de-DE" dirty="0" smtClean="0"/>
-              <a:t> (siehe Literatur)</a:t>
-            </a:r>
-            <a:endParaRPr lang="de-DE" dirty="0"/>
-          </a:p>
-        </p:txBody>
-      </p:sp>
-      <p:sp>
-        <p:nvSpPr>
-          <p:cNvPr id="15" name="Textplatzhalter 14"/>
-          <p:cNvSpPr>
-            <a:spLocks noGrp="1"/>
-          </p:cNvSpPr>
-          <p:nvPr>
-            <p:ph type="body" sz="quarter" idx="14"/>
-          </p:nvPr>
-        </p:nvSpPr>
-        <p:spPr/>
-        <p:txBody>
-          <a:bodyPr/>
-          <a:lstStyle/>
-          <a:p>
-            <a:pPr algn="ctr"/>
-            <a:r>
-              <a:rPr lang="de-DE" dirty="0" smtClean="0"/>
-              <a:t>Exponentielle Daten</a:t>
-            </a:r>
-            <a:endParaRPr lang="de-DE" dirty="0"/>
-          </a:p>
-        </p:txBody>
-      </p:sp>
-    </p:spTree>
-    <p:extLst>
-      <p:ext uri="{BB962C8B-B14F-4D97-AF65-F5344CB8AC3E}">
-        <p14:creationId xmlns:p14="http://schemas.microsoft.com/office/powerpoint/2010/main" val="3166208394"/>
-      </p:ext>
-    </p:extLst>
-  </p:cSld>
-  <p:clrMapOvr>
-    <a:masterClrMapping/>
-  </p:clrMapOvr>
-  <p:timing>
-    <p:tnLst>
-      <p:par>
-        <p:cTn id="1" dur="indefinite" restart="never" nodeType="tmRoot"/>
-      </p:par>
-    </p:tnLst>
-  </p:timing>
-</p:sld>
-</file>
-
-<file path=ppt/slides/slide8.xml><?xml version="1.0" encoding="utf-8"?>
-<p:sld xmlns:a="http://schemas.openxmlformats.org/drawingml/2006/main" xmlns:r="http://schemas.openxmlformats.org/officeDocument/2006/relationships" xmlns:p="http://schemas.openxmlformats.org/presentationml/2006/main">
-  <p:cSld>
-    <p:spTree>
-      <p:nvGrpSpPr>
-        <p:cNvPr id="1" name=""/>
-        <p:cNvGrpSpPr/>
-        <p:nvPr/>
-      </p:nvGrpSpPr>
-      <p:grpSpPr>
-        <a:xfrm>
-          <a:off x="0" y="0"/>
-          <a:ext cx="0" cy="0"/>
-          <a:chOff x="0" y="0"/>
-          <a:chExt cx="0" cy="0"/>
-        </a:xfrm>
-      </p:grpSpPr>
-      <p:sp>
-        <p:nvSpPr>
-          <p:cNvPr id="2" name="Titel 1"/>
-          <p:cNvSpPr>
-            <a:spLocks noGrp="1"/>
-          </p:cNvSpPr>
-          <p:nvPr>
-            <p:ph type="title"/>
-          </p:nvPr>
-        </p:nvSpPr>
-        <p:spPr/>
-        <p:txBody>
-          <a:bodyPr/>
-          <a:lstStyle/>
-          <a:p>
-            <a:r>
-              <a:rPr lang="de-DE" dirty="0" smtClean="0"/>
-              <a:t>Lineare Wachstumsmodelle</a:t>
-            </a:r>
-            <a:endParaRPr lang="de-DE" dirty="0"/>
-          </a:p>
-        </p:txBody>
-      </p:sp>
-      <p:sp>
-        <p:nvSpPr>
-          <p:cNvPr id="3" name="Inhaltsplatzhalter 2"/>
-          <p:cNvSpPr>
-            <a:spLocks noGrp="1"/>
-          </p:cNvSpPr>
-          <p:nvPr>
-            <p:ph idx="1"/>
-          </p:nvPr>
-        </p:nvSpPr>
-        <p:spPr/>
-        <p:txBody>
-          <a:bodyPr/>
-          <a:lstStyle/>
-          <a:p>
-            <a:endParaRPr lang="de-DE"/>
-          </a:p>
-        </p:txBody>
-      </p:sp>
-      <p:sp>
-        <p:nvSpPr>
-          <p:cNvPr id="4" name="Datumsplatzhalter 3"/>
-          <p:cNvSpPr>
-            <a:spLocks noGrp="1"/>
-          </p:cNvSpPr>
-          <p:nvPr>
-            <p:ph type="dt" sz="half" idx="10"/>
-          </p:nvPr>
-        </p:nvSpPr>
-        <p:spPr/>
-        <p:txBody>
-          <a:bodyPr/>
-          <a:lstStyle/>
-          <a:p>
-            <a:fld id="{6DB845E5-DACF-426C-8A10-A6438D29DD66}" type="datetime1">
-              <a:rPr lang="de-DE" smtClean="0"/>
-              <a:pPr/>
-              <a:t>17.02.2018</a:t>
-            </a:fld>
-            <a:endParaRPr lang="de-DE"/>
-          </a:p>
-        </p:txBody>
-      </p:sp>
-      <p:sp>
-        <p:nvSpPr>
-          <p:cNvPr id="5" name="Fußzeilenplatzhalter 4"/>
-          <p:cNvSpPr>
-            <a:spLocks noGrp="1"/>
-          </p:cNvSpPr>
-          <p:nvPr>
-            <p:ph type="ftr" sz="quarter" idx="11"/>
-          </p:nvPr>
-        </p:nvSpPr>
-        <p:spPr/>
-        <p:txBody>
-          <a:bodyPr/>
-          <a:lstStyle/>
-          <a:p>
-            <a:r>
-              <a:rPr lang="de-DE" smtClean="0"/>
-              <a:t>Structural Equation Modelling – Wintersemester 2017/2018</a:t>
-            </a:r>
-            <a:endParaRPr lang="de-DE" dirty="0"/>
-          </a:p>
-        </p:txBody>
-      </p:sp>
-      <p:sp>
-        <p:nvSpPr>
-          <p:cNvPr id="6" name="Foliennummernplatzhalter 5"/>
-          <p:cNvSpPr>
-            <a:spLocks noGrp="1"/>
-          </p:cNvSpPr>
-          <p:nvPr>
-            <p:ph type="sldNum" sz="quarter" idx="12"/>
-          </p:nvPr>
-        </p:nvSpPr>
-        <p:spPr/>
-        <p:txBody>
-          <a:bodyPr/>
-          <a:lstStyle/>
-          <a:p>
-            <a:fld id="{015363AA-F6CB-4A58-B5AD-B2CDFEAF0813}" type="slidenum">
-              <a:rPr lang="de-DE" smtClean="0"/>
-              <a:pPr/>
-              <a:t>8</a:t>
-            </a:fld>
-            <a:endParaRPr lang="de-DE"/>
-          </a:p>
-        </p:txBody>
-      </p:sp>
-    </p:spTree>
-    <p:extLst>
-      <p:ext uri="{BB962C8B-B14F-4D97-AF65-F5344CB8AC3E}">
-        <p14:creationId xmlns:p14="http://schemas.microsoft.com/office/powerpoint/2010/main" val="3102899165"/>
-      </p:ext>
-    </p:extLst>
-  </p:cSld>
-  <p:clrMapOvr>
-    <a:masterClrMapping/>
-  </p:clrMapOvr>
-  <p:timing>
-    <p:tnLst>
-      <p:par>
-        <p:cTn id="1" dur="indefinite" restart="never" nodeType="tmRoot"/>
-      </p:par>
-    </p:tnLst>
-  </p:timing>
-</p:sld>
-</file>
-
 <file path=ppt/slides/slide9.xml><?xml version="1.0" encoding="utf-8"?>
 <p:sld xmlns:a="http://schemas.openxmlformats.org/drawingml/2006/main" xmlns:r="http://schemas.openxmlformats.org/officeDocument/2006/relationships" xmlns:p="http://schemas.openxmlformats.org/presentationml/2006/main">
   <p:cSld>
@@ -10078,7 +12990,7 @@
           <a:p>
             <a:r>
               <a:rPr lang="de-DE" dirty="0" smtClean="0"/>
-              <a:t>Lineare Wachstumsmodelle</a:t>
+              <a:t>Datensätze</a:t>
             </a:r>
             <a:endParaRPr lang="de-DE" dirty="0"/>
           </a:p>
@@ -10086,7 +12998,7 @@
       </p:sp>
       <p:sp>
         <p:nvSpPr>
-          <p:cNvPr id="3" name="Textplatzhalter 2"/>
+          <p:cNvPr id="10" name="Textplatzhalter 9"/>
           <p:cNvSpPr>
             <a:spLocks noGrp="1"/>
           </p:cNvSpPr>
@@ -10099,6 +13011,7 @@
           <a:bodyPr/>
           <a:lstStyle/>
           <a:p>
+            <a:pPr algn="ctr"/>
             <a:r>
               <a:rPr lang="de-DE" dirty="0" smtClean="0"/>
               <a:t>Lineare Daten</a:t>
@@ -10107,70 +13020,369 @@
           </a:p>
         </p:txBody>
       </p:sp>
-      <p:sp>
-        <p:nvSpPr>
-          <p:cNvPr id="4" name="Inhaltsplatzhalter 3"/>
-          <p:cNvSpPr>
-            <a:spLocks noGrp="1"/>
-          </p:cNvSpPr>
-          <p:nvPr>
-            <p:ph sz="half" idx="2"/>
-          </p:nvPr>
-        </p:nvSpPr>
-        <p:spPr/>
-        <p:txBody>
-          <a:bodyPr/>
-          <a:lstStyle/>
-          <a:p>
+      <mc:AlternateContent xmlns:mc="http://schemas.openxmlformats.org/markup-compatibility/2006" xmlns:a14="http://schemas.microsoft.com/office/drawing/2010/main">
+        <mc:Choice Requires="a14">
+          <p:sp>
+            <p:nvSpPr>
+              <p:cNvPr id="11" name="Inhaltsplatzhalter 10"/>
+              <p:cNvSpPr>
+                <a:spLocks noGrp="1"/>
+              </p:cNvSpPr>
+              <p:nvPr>
+                <p:ph sz="half" idx="2"/>
+              </p:nvPr>
+            </p:nvSpPr>
+            <p:spPr/>
+            <p:txBody>
+              <a:bodyPr/>
+              <a:lstStyle/>
+              <a:p>
+                <a:r>
+                  <a:rPr lang="de-DE" dirty="0" smtClean="0"/>
+                  <a:t>Selbst erzeugt</a:t>
+                </a:r>
+              </a:p>
+              <a:p>
+                <a:r>
+                  <a:rPr lang="de-DE" dirty="0" smtClean="0"/>
+                  <a:t>Daten im Zeitreihenkontext (Lineares Wachstum von t0, …, t5)</a:t>
+                </a:r>
+              </a:p>
+              <a:p>
+                <a:r>
+                  <a:rPr lang="de-DE" dirty="0" err="1" smtClean="0"/>
+                  <a:t>Intercept</a:t>
+                </a:r>
+                <a:r>
+                  <a:rPr lang="de-DE" dirty="0" smtClean="0"/>
+                  <a:t>: 10</a:t>
+                </a:r>
+              </a:p>
+              <a:p>
+                <a:r>
+                  <a:rPr lang="de-DE" dirty="0" err="1" smtClean="0"/>
+                  <a:t>Slope</a:t>
+                </a:r>
+                <a:r>
+                  <a:rPr lang="de-DE" dirty="0" smtClean="0"/>
+                  <a:t>: 4</a:t>
+                </a:r>
+              </a:p>
+              <a:p>
+                <a14:m>
+                  <m:oMath xmlns:m="http://schemas.openxmlformats.org/officeDocument/2006/math">
+                    <m:r>
+                      <a:rPr lang="de-DE" b="0" i="1" smtClean="0">
+                        <a:latin typeface="Cambria Math" panose="02040503050406030204" pitchFamily="18" charset="0"/>
+                      </a:rPr>
+                      <m:t>𝑓</m:t>
+                    </m:r>
+                    <m:d>
+                      <m:dPr>
+                        <m:ctrlPr>
+                          <a:rPr lang="de-DE" b="0" i="1" smtClean="0">
+                            <a:latin typeface="Cambria Math" panose="02040503050406030204" pitchFamily="18" charset="0"/>
+                          </a:rPr>
+                        </m:ctrlPr>
+                      </m:dPr>
+                      <m:e>
+                        <m:r>
+                          <a:rPr lang="de-DE" b="0" i="1" smtClean="0">
+                            <a:latin typeface="Cambria Math" panose="02040503050406030204" pitchFamily="18" charset="0"/>
+                          </a:rPr>
+                          <m:t>𝑥</m:t>
+                        </m:r>
+                      </m:e>
+                    </m:d>
+                    <m:r>
+                      <a:rPr lang="de-DE" i="1" smtClean="0">
+                        <a:latin typeface="Cambria Math" panose="02040503050406030204" pitchFamily="18" charset="0"/>
+                      </a:rPr>
+                      <m:t>=</m:t>
+                    </m:r>
+                    <m:r>
+                      <a:rPr lang="de-DE" b="0" i="1" smtClean="0">
+                        <a:latin typeface="Cambria Math" panose="02040503050406030204" pitchFamily="18" charset="0"/>
+                      </a:rPr>
+                      <m:t>4</m:t>
+                    </m:r>
+                    <m:r>
+                      <a:rPr lang="de-DE" b="0" i="1" smtClean="0">
+                        <a:latin typeface="Cambria Math" panose="02040503050406030204" pitchFamily="18" charset="0"/>
+                      </a:rPr>
+                      <m:t>𝑥</m:t>
+                    </m:r>
+                    <m:r>
+                      <a:rPr lang="de-DE" b="0" i="1" smtClean="0">
+                        <a:latin typeface="Cambria Math" panose="02040503050406030204" pitchFamily="18" charset="0"/>
+                      </a:rPr>
+                      <m:t>+10</m:t>
+                    </m:r>
+                  </m:oMath>
+                </a14:m>
+                <a:endParaRPr lang="de-DE" dirty="0" smtClean="0"/>
+              </a:p>
+              <a:p>
+                <a:endParaRPr lang="de-DE" dirty="0"/>
+              </a:p>
+            </p:txBody>
+          </p:sp>
+        </mc:Choice>
+        <mc:Fallback xmlns="">
+          <p:sp>
+            <p:nvSpPr>
+              <p:cNvPr id="11" name="Inhaltsplatzhalter 10"/>
+              <p:cNvSpPr>
+                <a:spLocks noGrp="1" noRot="1" noChangeAspect="1" noMove="1" noResize="1" noEditPoints="1" noAdjustHandles="1" noChangeArrowheads="1" noChangeShapeType="1" noTextEdit="1"/>
+              </p:cNvSpPr>
+              <p:nvPr>
+                <p:ph sz="half" idx="2"/>
+              </p:nvPr>
+            </p:nvSpPr>
+            <p:spPr>
+              <a:blipFill>
+                <a:blip r:embed="rId2"/>
+                <a:stretch>
+                  <a:fillRect t="-183" r="-1367"/>
+                </a:stretch>
+              </a:blipFill>
+            </p:spPr>
+            <p:txBody>
+              <a:bodyPr/>
+              <a:lstStyle/>
+              <a:p>
+                <a:r>
+                  <a:rPr lang="de-DE">
+                    <a:noFill/>
+                  </a:rPr>
+                  <a:t> </a:t>
+                </a:r>
+              </a:p>
+            </p:txBody>
+          </p:sp>
+        </mc:Fallback>
+      </mc:AlternateContent>
+      <p:sp>
+        <p:nvSpPr>
+          <p:cNvPr id="12" name="Textplatzhalter 11"/>
+          <p:cNvSpPr>
+            <a:spLocks noGrp="1"/>
+          </p:cNvSpPr>
+          <p:nvPr>
+            <p:ph type="body" sz="quarter" idx="3"/>
+          </p:nvPr>
+        </p:nvSpPr>
+        <p:spPr/>
+        <p:txBody>
+          <a:bodyPr/>
+          <a:lstStyle/>
+          <a:p>
+            <a:pPr algn="ctr"/>
+            <a:r>
+              <a:rPr lang="de-DE" dirty="0" smtClean="0"/>
+              <a:t>Quadratische Daten</a:t>
+            </a:r>
             <a:endParaRPr lang="de-DE" dirty="0"/>
           </a:p>
         </p:txBody>
       </p:sp>
-      <p:sp>
-        <p:nvSpPr>
-          <p:cNvPr id="5" name="Textplatzhalter 4"/>
-          <p:cNvSpPr>
-            <a:spLocks noGrp="1"/>
-          </p:cNvSpPr>
-          <p:nvPr>
-            <p:ph type="body" sz="quarter" idx="3"/>
-          </p:nvPr>
-        </p:nvSpPr>
-        <p:spPr/>
-        <p:txBody>
-          <a:bodyPr/>
-          <a:lstStyle/>
-          <a:p>
-            <a:r>
-              <a:rPr lang="de-DE" dirty="0" smtClean="0"/>
-              <a:t>Quadratische Daten</a:t>
-            </a:r>
-            <a:endParaRPr lang="de-DE" dirty="0"/>
-          </a:p>
-        </p:txBody>
-      </p:sp>
-      <p:sp>
-        <p:nvSpPr>
-          <p:cNvPr id="6" name="Inhaltsplatzhalter 5"/>
-          <p:cNvSpPr>
-            <a:spLocks noGrp="1"/>
-          </p:cNvSpPr>
-          <p:nvPr>
-            <p:ph sz="quarter" idx="4"/>
-          </p:nvPr>
-        </p:nvSpPr>
-        <p:spPr/>
-        <p:txBody>
-          <a:bodyPr/>
-          <a:lstStyle/>
-          <a:p>
-            <a:endParaRPr lang="de-DE" dirty="0"/>
-          </a:p>
-        </p:txBody>
-      </p:sp>
-      <p:sp>
-        <p:nvSpPr>
-          <p:cNvPr id="7" name="Datumsplatzhalter 6"/>
+      <mc:AlternateContent xmlns:mc="http://schemas.openxmlformats.org/markup-compatibility/2006">
+        <mc:Choice xmlns:a14="http://schemas.microsoft.com/office/drawing/2010/main" Requires="a14">
+          <p:sp>
+            <p:nvSpPr>
+              <p:cNvPr id="13" name="Inhaltsplatzhalter 12"/>
+              <p:cNvSpPr>
+                <a:spLocks noGrp="1"/>
+              </p:cNvSpPr>
+              <p:nvPr>
+                <p:ph sz="quarter" idx="4"/>
+              </p:nvPr>
+            </p:nvSpPr>
+            <p:spPr/>
+            <p:txBody>
+              <a:bodyPr/>
+              <a:lstStyle/>
+              <a:p>
+                <a:r>
+                  <a:rPr lang="de-DE" dirty="0" smtClean="0"/>
+                  <a:t>Selbst erzeugt</a:t>
+                </a:r>
+              </a:p>
+              <a:p>
+                <a:r>
+                  <a:rPr lang="de-DE" dirty="0" smtClean="0"/>
+                  <a:t>Daten im Zeitreihenkontext</a:t>
+                </a:r>
+              </a:p>
+              <a:p>
+                <a:r>
+                  <a:rPr lang="de-DE" dirty="0" err="1" smtClean="0"/>
+                  <a:t>Intercept</a:t>
+                </a:r>
+                <a:r>
+                  <a:rPr lang="de-DE" dirty="0" smtClean="0"/>
+                  <a:t>: 10</a:t>
+                </a:r>
+              </a:p>
+              <a:p>
+                <a:r>
+                  <a:rPr lang="de-DE" dirty="0" err="1" smtClean="0"/>
+                  <a:t>SlopeLin</a:t>
+                </a:r>
+                <a:r>
+                  <a:rPr lang="de-DE" dirty="0" smtClean="0"/>
+                  <a:t>: </a:t>
+                </a:r>
+                <a:r>
+                  <a:rPr lang="de-DE" dirty="0" smtClean="0"/>
+                  <a:t>3</a:t>
+                </a:r>
+                <a:endParaRPr lang="de-DE" dirty="0" smtClean="0"/>
+              </a:p>
+              <a:p>
+                <a:r>
+                  <a:rPr lang="de-DE" dirty="0" err="1" smtClean="0"/>
+                  <a:t>SlopeQuad</a:t>
+                </a:r>
+                <a:r>
+                  <a:rPr lang="de-DE" dirty="0" smtClean="0"/>
+                  <a:t>: 5</a:t>
+                </a:r>
+              </a:p>
+              <a:p>
+                <a14:m>
+                  <m:oMath xmlns:m="http://schemas.openxmlformats.org/officeDocument/2006/math">
+                    <m:r>
+                      <a:rPr lang="de-DE" i="1">
+                        <a:latin typeface="Cambria Math" panose="02040503050406030204" pitchFamily="18" charset="0"/>
+                      </a:rPr>
+                      <m:t>𝑓</m:t>
+                    </m:r>
+                    <m:d>
+                      <m:dPr>
+                        <m:ctrlPr>
+                          <a:rPr lang="de-DE" i="1">
+                            <a:latin typeface="Cambria Math" panose="02040503050406030204" pitchFamily="18" charset="0"/>
+                          </a:rPr>
+                        </m:ctrlPr>
+                      </m:dPr>
+                      <m:e>
+                        <m:r>
+                          <a:rPr lang="de-DE" i="1">
+                            <a:latin typeface="Cambria Math" panose="02040503050406030204" pitchFamily="18" charset="0"/>
+                          </a:rPr>
+                          <m:t>𝑥</m:t>
+                        </m:r>
+                      </m:e>
+                    </m:d>
+                    <m:r>
+                      <a:rPr lang="de-DE" i="1">
+                        <a:latin typeface="Cambria Math" panose="02040503050406030204" pitchFamily="18" charset="0"/>
+                      </a:rPr>
+                      <m:t>=</m:t>
+                    </m:r>
+                    <m:r>
+                      <a:rPr lang="de-DE" b="0" i="1" smtClean="0">
+                        <a:latin typeface="Cambria Math" panose="02040503050406030204" pitchFamily="18" charset="0"/>
+                      </a:rPr>
+                      <m:t>5</m:t>
+                    </m:r>
+                    <m:sSup>
+                      <m:sSupPr>
+                        <m:ctrlPr>
+                          <a:rPr lang="de-DE" b="0" i="1" smtClean="0">
+                            <a:latin typeface="Cambria Math" panose="02040503050406030204" pitchFamily="18" charset="0"/>
+                          </a:rPr>
+                        </m:ctrlPr>
+                      </m:sSupPr>
+                      <m:e>
+                        <m:r>
+                          <a:rPr lang="de-DE" b="0" i="1" smtClean="0">
+                            <a:latin typeface="Cambria Math" panose="02040503050406030204" pitchFamily="18" charset="0"/>
+                          </a:rPr>
+                          <m:t>𝑥</m:t>
+                        </m:r>
+                      </m:e>
+                      <m:sup>
+                        <m:r>
+                          <a:rPr lang="de-DE" b="0" i="1" smtClean="0">
+                            <a:latin typeface="Cambria Math" panose="02040503050406030204" pitchFamily="18" charset="0"/>
+                          </a:rPr>
+                          <m:t>2</m:t>
+                        </m:r>
+                      </m:sup>
+                    </m:sSup>
+                    <m:r>
+                      <a:rPr lang="de-DE" b="0" i="1" smtClean="0">
+                        <a:latin typeface="Cambria Math" panose="02040503050406030204" pitchFamily="18" charset="0"/>
+                      </a:rPr>
+                      <m:t>+</m:t>
+                    </m:r>
+                    <m:r>
+                      <a:rPr lang="de-DE" b="0" i="1" smtClean="0">
+                        <a:latin typeface="Cambria Math" panose="02040503050406030204" pitchFamily="18" charset="0"/>
+                      </a:rPr>
+                      <m:t>3</m:t>
+                    </m:r>
+                    <m:r>
+                      <a:rPr lang="de-DE" b="0" i="1" smtClean="0">
+                        <a:latin typeface="Cambria Math" panose="02040503050406030204" pitchFamily="18" charset="0"/>
+                      </a:rPr>
+                      <m:t>𝑥</m:t>
+                    </m:r>
+                    <m:r>
+                      <a:rPr lang="de-DE" b="0" i="1" smtClean="0">
+                        <a:latin typeface="Cambria Math" panose="02040503050406030204" pitchFamily="18" charset="0"/>
+                      </a:rPr>
+                      <m:t>+10</m:t>
+                    </m:r>
+                  </m:oMath>
+                </a14:m>
+                <a:endParaRPr lang="de-DE" dirty="0"/>
+              </a:p>
+              <a:p>
+                <a:endParaRPr lang="de-DE" dirty="0" smtClean="0"/>
+              </a:p>
+            </p:txBody>
+          </p:sp>
+        </mc:Choice>
+        <mc:Fallback>
+          <p:sp>
+            <p:nvSpPr>
+              <p:cNvPr id="13" name="Inhaltsplatzhalter 12"/>
+              <p:cNvSpPr>
+                <a:spLocks noGrp="1" noRot="1" noChangeAspect="1" noMove="1" noResize="1" noEditPoints="1" noAdjustHandles="1" noChangeArrowheads="1" noChangeShapeType="1" noTextEdit="1"/>
+              </p:cNvSpPr>
+              <p:nvPr>
+                <p:ph sz="quarter" idx="4"/>
+              </p:nvPr>
+            </p:nvSpPr>
+            <p:spPr>
+              <a:blipFill>
+                <a:blip r:embed="rId3"/>
+                <a:stretch>
+                  <a:fillRect l="-216" t="-183"/>
+                </a:stretch>
+              </a:blipFill>
+            </p:spPr>
+            <p:txBody>
+              <a:bodyPr/>
+              <a:lstStyle/>
+              <a:p>
+                <a:r>
+                  <a:rPr lang="de-DE">
+                    <a:noFill/>
+                  </a:rPr>
+                  <a:t> </a:t>
+                </a:r>
+              </a:p>
+            </p:txBody>
+          </p:sp>
+        </mc:Fallback>
+      </mc:AlternateContent>
+      <p:sp>
+        <p:nvSpPr>
+          <p:cNvPr id="4" name="Datumsplatzhalter 3"/>
           <p:cNvSpPr>
             <a:spLocks noGrp="1"/>
           </p:cNvSpPr>
@@ -10183,10 +13395,10 @@
           <a:bodyPr/>
           <a:lstStyle/>
           <a:p>
-            <a:fld id="{DA5DE712-6C0E-4DF7-B336-AC97213DC93D}" type="datetime1">
+            <a:fld id="{6DB845E5-DACF-426C-8A10-A6438D29DD66}" type="datetime1">
               <a:rPr lang="de-DE" smtClean="0"/>
               <a:pPr/>
-              <a:t>17.02.2018</a:t>
+              <a:t>19.02.2018</a:t>
             </a:fld>
             <a:endParaRPr lang="de-DE"/>
           </a:p>
@@ -10194,7 +13406,7 @@
       </p:sp>
       <p:sp>
         <p:nvSpPr>
-          <p:cNvPr id="8" name="Fußzeilenplatzhalter 7"/>
+          <p:cNvPr id="5" name="Fußzeilenplatzhalter 4"/>
           <p:cNvSpPr>
             <a:spLocks noGrp="1"/>
           </p:cNvSpPr>
@@ -10217,7 +13429,7 @@
       </p:sp>
       <p:sp>
         <p:nvSpPr>
-          <p:cNvPr id="9" name="Foliennummernplatzhalter 8"/>
+          <p:cNvPr id="6" name="Foliennummernplatzhalter 5"/>
           <p:cNvSpPr>
             <a:spLocks noGrp="1"/>
           </p:cNvSpPr>
@@ -10241,7 +13453,7 @@
       </p:sp>
       <p:sp>
         <p:nvSpPr>
-          <p:cNvPr id="10" name="Inhaltsplatzhalter 9"/>
+          <p:cNvPr id="14" name="Inhaltsplatzhalter 13"/>
           <p:cNvSpPr>
             <a:spLocks noGrp="1"/>
           </p:cNvSpPr>
@@ -10254,60 +13466,156 @@
           <a:bodyPr/>
           <a:lstStyle/>
           <a:p>
+            <a:r>
+              <a:rPr lang="de-DE" dirty="0" smtClean="0"/>
+              <a:t>Datensatz aus Kline, 2015</a:t>
+            </a:r>
+          </a:p>
+          <a:p>
+            <a:r>
+              <a:rPr lang="de-DE" dirty="0" smtClean="0"/>
+              <a:t>Daten im Zeitreihenkontext</a:t>
+            </a:r>
+          </a:p>
+          <a:p>
+            <a:r>
+              <a:rPr lang="de-DE" dirty="0" smtClean="0"/>
+              <a:t>137 Versuchsobjekte</a:t>
+            </a:r>
+          </a:p>
+          <a:p>
+            <a:r>
+              <a:rPr lang="de-DE" dirty="0" smtClean="0"/>
+              <a:t>6 Versuche (t0, …, t5)</a:t>
+            </a:r>
+          </a:p>
+        </p:txBody>
+      </p:sp>
+      <p:sp>
+        <p:nvSpPr>
+          <p:cNvPr id="15" name="Textplatzhalter 14"/>
+          <p:cNvSpPr>
+            <a:spLocks noGrp="1"/>
+          </p:cNvSpPr>
+          <p:nvPr>
+            <p:ph type="body" sz="quarter" idx="14"/>
+          </p:nvPr>
+        </p:nvSpPr>
+        <p:spPr/>
+        <p:txBody>
+          <a:bodyPr/>
+          <a:lstStyle/>
+          <a:p>
+            <a:pPr algn="ctr"/>
+            <a:r>
+              <a:rPr lang="de-DE" dirty="0" smtClean="0"/>
+              <a:t>Nicht-Lineare </a:t>
+            </a:r>
+            <a:r>
+              <a:rPr lang="de-DE" dirty="0" smtClean="0"/>
+              <a:t>Daten</a:t>
+            </a:r>
             <a:endParaRPr lang="de-DE" dirty="0"/>
           </a:p>
         </p:txBody>
       </p:sp>
-      <p:sp>
-        <p:nvSpPr>
-          <p:cNvPr id="11" name="Textplatzhalter 10"/>
-          <p:cNvSpPr>
-            <a:spLocks noGrp="1"/>
-          </p:cNvSpPr>
-          <p:nvPr>
-            <p:ph type="body" sz="quarter" idx="14"/>
-          </p:nvPr>
-        </p:nvSpPr>
-        <p:spPr/>
-        <p:txBody>
-          <a:bodyPr/>
-          <a:lstStyle/>
-          <a:p>
-            <a:r>
-              <a:rPr lang="de-DE" dirty="0" err="1" smtClean="0"/>
-              <a:t>Exponetielle</a:t>
-            </a:r>
-            <a:r>
-              <a:rPr lang="de-DE" dirty="0" smtClean="0"/>
-              <a:t> Daten</a:t>
-            </a:r>
-            <a:endParaRPr lang="de-DE" dirty="0"/>
-          </a:p>
-        </p:txBody>
-      </p:sp>
-      <p:sp>
-        <p:nvSpPr>
-          <p:cNvPr id="12" name="Inhaltsplatzhalter 11"/>
-          <p:cNvSpPr>
-            <a:spLocks noGrp="1"/>
-          </p:cNvSpPr>
-          <p:nvPr>
-            <p:ph sz="quarter" idx="15"/>
-          </p:nvPr>
-        </p:nvSpPr>
-        <p:spPr/>
-        <p:txBody>
-          <a:bodyPr/>
-          <a:lstStyle/>
-          <a:p>
-            <a:endParaRPr lang="de-DE" dirty="0"/>
-          </a:p>
-        </p:txBody>
-      </p:sp>
+      <p:pic>
+        <p:nvPicPr>
+          <p:cNvPr id="7" name="Grafik 6" descr="Bildschirmausschnitt"/>
+          <p:cNvPicPr>
+            <a:picLocks noChangeAspect="1"/>
+          </p:cNvPicPr>
+          <p:nvPr/>
+        </p:nvPicPr>
+        <p:blipFill>
+          <a:blip r:embed="rId4">
+            <a:extLst>
+              <a:ext uri="{28A0092B-C50C-407E-A947-70E740481C1C}">
+                <a14:useLocalDpi xmlns:a14="http://schemas.microsoft.com/office/drawing/2010/main" val="0"/>
+              </a:ext>
+            </a:extLst>
+          </a:blip>
+          <a:stretch>
+            <a:fillRect/>
+          </a:stretch>
+        </p:blipFill>
+        <p:spPr>
+          <a:xfrm>
+            <a:off x="683568" y="3291830"/>
+            <a:ext cx="1914440" cy="1282872"/>
+          </a:xfrm>
+          <a:prstGeom prst="rect">
+            <a:avLst/>
+          </a:prstGeom>
+        </p:spPr>
+      </p:pic>
+      <p:pic>
+        <p:nvPicPr>
+          <p:cNvPr id="8" name="Grafik 7" descr="Bildschirmausschnitt"/>
+          <p:cNvPicPr>
+            <a:picLocks noChangeAspect="1"/>
+          </p:cNvPicPr>
+          <p:nvPr/>
+        </p:nvPicPr>
+        <p:blipFill>
+          <a:blip r:embed="rId5">
+            <a:extLst>
+              <a:ext uri="{28A0092B-C50C-407E-A947-70E740481C1C}">
+                <a14:useLocalDpi xmlns:a14="http://schemas.microsoft.com/office/drawing/2010/main" val="0"/>
+              </a:ext>
+            </a:extLst>
+          </a:blip>
+          <a:stretch>
+            <a:fillRect/>
+          </a:stretch>
+        </p:blipFill>
+        <p:spPr>
+          <a:xfrm>
+            <a:off x="3635896" y="3219822"/>
+            <a:ext cx="1876550" cy="1244931"/>
+          </a:xfrm>
+          <a:prstGeom prst="rect">
+            <a:avLst/>
+          </a:prstGeom>
+        </p:spPr>
+      </p:pic>
+      <p:pic>
+        <p:nvPicPr>
+          <p:cNvPr id="16" name="Grafik 15" descr="Bildschirmausschnitt"/>
+          <p:cNvPicPr>
+            <a:picLocks noChangeAspect="1"/>
+          </p:cNvPicPr>
+          <p:nvPr/>
+        </p:nvPicPr>
+        <p:blipFill>
+          <a:blip r:embed="rId6" cstate="print">
+            <a:extLst>
+              <a:ext uri="{28A0092B-C50C-407E-A947-70E740481C1C}">
+                <a14:useLocalDpi xmlns:a14="http://schemas.microsoft.com/office/drawing/2010/main" val="0"/>
+              </a:ext>
+            </a:extLst>
+          </a:blip>
+          <a:stretch>
+            <a:fillRect/>
+          </a:stretch>
+        </p:blipFill>
+        <p:spPr>
+          <a:xfrm>
+            <a:off x="6394386" y="2846019"/>
+            <a:ext cx="2115546" cy="1618734"/>
+          </a:xfrm>
+          <a:prstGeom prst="rect">
+            <a:avLst/>
+          </a:prstGeom>
+          <a:ln>
+            <a:noFill/>
+          </a:ln>
+        </p:spPr>
+      </p:pic>
     </p:spTree>
     <p:extLst>
       <p:ext uri="{BB962C8B-B14F-4D97-AF65-F5344CB8AC3E}">
-        <p14:creationId xmlns:p14="http://schemas.microsoft.com/office/powerpoint/2010/main" val="2053520102"/>
+        <p14:creationId xmlns:p14="http://schemas.microsoft.com/office/powerpoint/2010/main" val="3166208394"/>
       </p:ext>
     </p:extLst>
   </p:cSld>
